--- a/Host&Startup.pptx
+++ b/Host&Startup.pptx
@@ -5,7 +5,7 @@
     <p:sldMasterId id="2147483648" r:id="rId1"/>
   </p:sldMasterIdLst>
   <p:notesMasterIdLst>
-    <p:notesMasterId r:id="rId46"/>
+    <p:notesMasterId r:id="rId47"/>
   </p:notesMasterIdLst>
   <p:sldIdLst>
     <p:sldId id="256" r:id="rId2"/>
@@ -51,7 +51,8 @@
     <p:sldId id="367" r:id="rId42"/>
     <p:sldId id="370" r:id="rId43"/>
     <p:sldId id="371" r:id="rId44"/>
-    <p:sldId id="330" r:id="rId45"/>
+    <p:sldId id="372" r:id="rId45"/>
+    <p:sldId id="330" r:id="rId46"/>
   </p:sldIdLst>
   <p:sldSz cx="12192000" cy="6858000"/>
   <p:notesSz cx="6858000" cy="9144000"/>
@@ -4088,6 +4089,42 @@
           <a:bodyPr/>
           <a:lstStyle/>
           <a:p>
+            <a:r>
+              <a:rPr lang="en-US" sz="1200" b="0" i="0" kern="1200" dirty="0">
+                <a:solidFill>
+                  <a:schemeClr val="tx1"/>
+                </a:solidFill>
+                <a:effectLst/>
+                <a:latin typeface="+mn-lt"/>
+                <a:ea typeface="+mn-ea"/>
+                <a:cs typeface="+mn-cs"/>
+              </a:rPr>
+              <a:t>Adding services to the service container makes them available within the app and in the Configure method. The services are resolved via dependency injection or from </a:t>
+            </a:r>
+            <a:r>
+              <a:rPr lang="en-US" sz="1200" b="0" i="0" kern="1200" dirty="0" err="1">
+                <a:solidFill>
+                  <a:schemeClr val="tx1"/>
+                </a:solidFill>
+                <a:effectLst/>
+                <a:latin typeface="+mn-lt"/>
+                <a:ea typeface="+mn-ea"/>
+                <a:cs typeface="+mn-cs"/>
+              </a:rPr>
+              <a:t>ApplicationServices</a:t>
+            </a:r>
+            <a:r>
+              <a:rPr lang="en-US" sz="1200" b="0" i="0" kern="1200" dirty="0">
+                <a:solidFill>
+                  <a:schemeClr val="tx1"/>
+                </a:solidFill>
+                <a:effectLst/>
+                <a:latin typeface="+mn-lt"/>
+                <a:ea typeface="+mn-ea"/>
+                <a:cs typeface="+mn-cs"/>
+              </a:rPr>
+              <a:t>.</a:t>
+            </a:r>
             <a:endParaRPr lang="ru-RU" sz="1200" b="0" i="0" kern="1200" dirty="0">
               <a:solidFill>
                 <a:schemeClr val="tx1"/>
@@ -4180,7 +4217,99 @@
           <a:bodyPr/>
           <a:lstStyle/>
           <a:p>
-            <a:endParaRPr lang="en-US" dirty="0"/>
+            <a:r>
+              <a:rPr lang="en-US" sz="1200" b="0" i="0" kern="1200" dirty="0">
+                <a:solidFill>
+                  <a:schemeClr val="tx1"/>
+                </a:solidFill>
+                <a:effectLst/>
+                <a:latin typeface="+mn-lt"/>
+                <a:ea typeface="+mn-ea"/>
+                <a:cs typeface="+mn-cs"/>
+              </a:rPr>
+              <a:t>The Configure method is used to specify how the app responds to HTTP requests. The request pipeline is configured by adding middleware components to an </a:t>
+            </a:r>
+            <a:r>
+              <a:rPr lang="en-US" sz="1200" b="0" i="0" kern="1200" dirty="0" err="1">
+                <a:solidFill>
+                  <a:schemeClr val="tx1"/>
+                </a:solidFill>
+                <a:effectLst/>
+                <a:latin typeface="+mn-lt"/>
+                <a:ea typeface="+mn-ea"/>
+                <a:cs typeface="+mn-cs"/>
+              </a:rPr>
+              <a:t>IApplicationBuilder</a:t>
+            </a:r>
+            <a:r>
+              <a:rPr lang="en-US" sz="1200" b="0" i="0" kern="1200" dirty="0">
+                <a:solidFill>
+                  <a:schemeClr val="tx1"/>
+                </a:solidFill>
+                <a:effectLst/>
+                <a:latin typeface="+mn-lt"/>
+                <a:ea typeface="+mn-ea"/>
+                <a:cs typeface="+mn-cs"/>
+              </a:rPr>
+              <a:t> instance. </a:t>
+            </a:r>
+            <a:r>
+              <a:rPr lang="en-US" sz="1200" b="0" i="0" kern="1200" dirty="0" err="1">
+                <a:solidFill>
+                  <a:schemeClr val="tx1"/>
+                </a:solidFill>
+                <a:effectLst/>
+                <a:latin typeface="+mn-lt"/>
+                <a:ea typeface="+mn-ea"/>
+                <a:cs typeface="+mn-cs"/>
+              </a:rPr>
+              <a:t>IApplicationBuilder</a:t>
+            </a:r>
+            <a:r>
+              <a:rPr lang="en-US" sz="1200" b="0" i="0" kern="1200" dirty="0">
+                <a:solidFill>
+                  <a:schemeClr val="tx1"/>
+                </a:solidFill>
+                <a:effectLst/>
+                <a:latin typeface="+mn-lt"/>
+                <a:ea typeface="+mn-ea"/>
+                <a:cs typeface="+mn-cs"/>
+              </a:rPr>
+              <a:t> is available to the Configure method, but it isn't registered in the service container. Hosting creates an </a:t>
+            </a:r>
+            <a:r>
+              <a:rPr lang="en-US" sz="1200" b="0" i="0" kern="1200" dirty="0" err="1">
+                <a:solidFill>
+                  <a:schemeClr val="tx1"/>
+                </a:solidFill>
+                <a:effectLst/>
+                <a:latin typeface="+mn-lt"/>
+                <a:ea typeface="+mn-ea"/>
+                <a:cs typeface="+mn-cs"/>
+              </a:rPr>
+              <a:t>IApplicationBuilder</a:t>
+            </a:r>
+            <a:r>
+              <a:rPr lang="en-US" sz="1200" b="0" i="0" kern="1200" dirty="0">
+                <a:solidFill>
+                  <a:schemeClr val="tx1"/>
+                </a:solidFill>
+                <a:effectLst/>
+                <a:latin typeface="+mn-lt"/>
+                <a:ea typeface="+mn-ea"/>
+                <a:cs typeface="+mn-cs"/>
+              </a:rPr>
+              <a:t> and passes it directly to Configure.</a:t>
+            </a:r>
+            <a:endParaRPr lang="ru-RU" sz="1200" b="0" i="0" kern="1200" dirty="0">
+              <a:solidFill>
+                <a:schemeClr val="tx1"/>
+              </a:solidFill>
+              <a:effectLst/>
+              <a:latin typeface="+mn-lt"/>
+              <a:ea typeface="+mn-ea"/>
+              <a:cs typeface="+mn-cs"/>
+            </a:endParaRPr>
           </a:p>
         </p:txBody>
       </p:sp>
@@ -4202,6 +4331,90 @@
             <a:fld id="{BA1D5B97-ACF5-4677-A104-92B2393AA446}" type="slidenum">
               <a:rPr lang="en-US" smtClean="0"/>
               <a:t>44</a:t>
+            </a:fld>
+            <a:endParaRPr lang="en-US"/>
+          </a:p>
+        </p:txBody>
+      </p:sp>
+    </p:spTree>
+    <p:extLst>
+      <p:ext uri="{BB962C8B-B14F-4D97-AF65-F5344CB8AC3E}">
+        <p14:creationId xmlns:p14="http://schemas.microsoft.com/office/powerpoint/2010/main" val="3825010741"/>
+      </p:ext>
+    </p:extLst>
+  </p:cSld>
+  <p:clrMapOvr>
+    <a:masterClrMapping/>
+  </p:clrMapOvr>
+</p:notes>
+</file>
+
+<file path=ppt/notesSlides/notesSlide42.xml><?xml version="1.0" encoding="utf-8"?>
+<p:notes xmlns:a="http://schemas.openxmlformats.org/drawingml/2006/main" xmlns:r="http://schemas.openxmlformats.org/officeDocument/2006/relationships" xmlns:p="http://schemas.openxmlformats.org/presentationml/2006/main">
+  <p:cSld>
+    <p:spTree>
+      <p:nvGrpSpPr>
+        <p:cNvPr id="1" name=""/>
+        <p:cNvGrpSpPr/>
+        <p:nvPr/>
+      </p:nvGrpSpPr>
+      <p:grpSpPr>
+        <a:xfrm>
+          <a:off x="0" y="0"/>
+          <a:ext cx="0" cy="0"/>
+          <a:chOff x="0" y="0"/>
+          <a:chExt cx="0" cy="0"/>
+        </a:xfrm>
+      </p:grpSpPr>
+      <p:sp>
+        <p:nvSpPr>
+          <p:cNvPr id="2" name="Slide Image Placeholder 1"/>
+          <p:cNvSpPr>
+            <a:spLocks noGrp="1" noRot="1" noChangeAspect="1"/>
+          </p:cNvSpPr>
+          <p:nvPr>
+            <p:ph type="sldImg"/>
+          </p:nvPr>
+        </p:nvSpPr>
+        <p:spPr/>
+      </p:sp>
+      <p:sp>
+        <p:nvSpPr>
+          <p:cNvPr id="3" name="Notes Placeholder 2"/>
+          <p:cNvSpPr>
+            <a:spLocks noGrp="1"/>
+          </p:cNvSpPr>
+          <p:nvPr>
+            <p:ph type="body" idx="1"/>
+          </p:nvPr>
+        </p:nvSpPr>
+        <p:spPr/>
+        <p:txBody>
+          <a:bodyPr/>
+          <a:lstStyle/>
+          <a:p>
+            <a:endParaRPr lang="en-US" dirty="0"/>
+          </a:p>
+        </p:txBody>
+      </p:sp>
+      <p:sp>
+        <p:nvSpPr>
+          <p:cNvPr id="4" name="Slide Number Placeholder 3"/>
+          <p:cNvSpPr>
+            <a:spLocks noGrp="1"/>
+          </p:cNvSpPr>
+          <p:nvPr>
+            <p:ph type="sldNum" sz="quarter" idx="10"/>
+          </p:nvPr>
+        </p:nvSpPr>
+        <p:spPr/>
+        <p:txBody>
+          <a:bodyPr/>
+          <a:lstStyle/>
+          <a:p>
+            <a:fld id="{BA1D5B97-ACF5-4677-A104-92B2393AA446}" type="slidenum">
+              <a:rPr lang="en-US" smtClean="0"/>
+              <a:t>45</a:t>
             </a:fld>
             <a:endParaRPr lang="en-US"/>
           </a:p>
@@ -15036,8 +15249,8 @@
         </p:nvSpPr>
         <p:spPr>
           <a:xfrm>
-            <a:off x="334108" y="1694454"/>
-            <a:ext cx="11224846" cy="523220"/>
+            <a:off x="322385" y="1325563"/>
+            <a:ext cx="11224846" cy="2677656"/>
           </a:xfrm>
           <a:prstGeom prst="rect">
             <a:avLst/>
@@ -15050,10 +15263,81 @@
           </a:bodyPr>
           <a:lstStyle/>
           <a:p>
+            <a:pPr marL="457200" indent="-457200">
+              <a:buFont typeface="Arial" panose="020B0604020202020204" pitchFamily="34" charset="0"/>
+              <a:buChar char="•"/>
+            </a:pPr>
+            <a:r>
+              <a:rPr lang="en-US" sz="2800" dirty="0"/>
+              <a:t>Optional.</a:t>
+            </a:r>
+          </a:p>
+          <a:p>
+            <a:pPr marL="457200" indent="-457200">
+              <a:buFont typeface="Arial" panose="020B0604020202020204" pitchFamily="34" charset="0"/>
+              <a:buChar char="•"/>
+            </a:pPr>
+            <a:r>
+              <a:rPr lang="en-US" sz="2800" dirty="0"/>
+              <a:t>Called by the host before the Configure method to configure the app's services.</a:t>
+            </a:r>
+          </a:p>
+          <a:p>
+            <a:pPr marL="457200" indent="-457200">
+              <a:buFont typeface="Arial" panose="020B0604020202020204" pitchFamily="34" charset="0"/>
+              <a:buChar char="•"/>
+            </a:pPr>
+            <a:r>
+              <a:rPr lang="en-US" sz="2800" dirty="0"/>
+              <a:t>Where configuration options are set by convention.</a:t>
+            </a:r>
+          </a:p>
+          <a:p>
+            <a:pPr marL="457200" indent="-457200">
+              <a:buFont typeface="Arial" panose="020B0604020202020204" pitchFamily="34" charset="0"/>
+              <a:buChar char="•"/>
+            </a:pPr>
             <a:endParaRPr lang="en-US" sz="2800" dirty="0"/>
           </a:p>
-        </p:txBody>
-      </p:sp>
+          <a:p>
+            <a:pPr marL="457200" indent="-457200">
+              <a:buFont typeface="Arial" panose="020B0604020202020204" pitchFamily="34" charset="0"/>
+              <a:buChar char="•"/>
+            </a:pPr>
+            <a:endParaRPr lang="en-US" sz="2800" dirty="0"/>
+          </a:p>
+        </p:txBody>
+      </p:sp>
+      <p:pic>
+        <p:nvPicPr>
+          <p:cNvPr id="5" name="Picture 4">
+            <a:extLst>
+              <a:ext uri="{FF2B5EF4-FFF2-40B4-BE49-F238E27FC236}">
+                <a16:creationId xmlns:a16="http://schemas.microsoft.com/office/drawing/2014/main" id="{ED55E05D-F5C1-4714-851B-D8F0A88E239B}"/>
+              </a:ext>
+            </a:extLst>
+          </p:cNvPr>
+          <p:cNvPicPr>
+            <a:picLocks noChangeAspect="1"/>
+          </p:cNvPicPr>
+          <p:nvPr/>
+        </p:nvPicPr>
+        <p:blipFill>
+          <a:blip r:embed="rId3"/>
+          <a:stretch>
+            <a:fillRect/>
+          </a:stretch>
+        </p:blipFill>
+        <p:spPr>
+          <a:xfrm>
+            <a:off x="1403838" y="3429000"/>
+            <a:ext cx="9061939" cy="3241386"/>
+          </a:xfrm>
+          <a:prstGeom prst="rect">
+            <a:avLst/>
+          </a:prstGeom>
+        </p:spPr>
+      </p:pic>
     </p:spTree>
     <p:extLst>
       <p:ext uri="{BB962C8B-B14F-4D97-AF65-F5344CB8AC3E}">
@@ -15068,6 +15352,136 @@
 </file>
 
 <file path=ppt/slides/slide44.xml><?xml version="1.0" encoding="utf-8"?>
+<p:sld xmlns:a="http://schemas.openxmlformats.org/drawingml/2006/main" xmlns:r="http://schemas.openxmlformats.org/officeDocument/2006/relationships" xmlns:p="http://schemas.openxmlformats.org/presentationml/2006/main">
+  <p:cSld>
+    <p:bg>
+      <p:bgPr>
+        <a:gradFill>
+          <a:gsLst>
+            <a:gs pos="0">
+              <a:schemeClr val="accent1">
+                <a:lumMod val="5000"/>
+                <a:lumOff val="95000"/>
+              </a:schemeClr>
+            </a:gs>
+            <a:gs pos="42000">
+              <a:schemeClr val="accent1">
+                <a:lumMod val="45000"/>
+                <a:lumOff val="55000"/>
+              </a:schemeClr>
+            </a:gs>
+            <a:gs pos="83000">
+              <a:schemeClr val="accent1">
+                <a:lumMod val="45000"/>
+                <a:lumOff val="55000"/>
+              </a:schemeClr>
+            </a:gs>
+            <a:gs pos="100000">
+              <a:schemeClr val="accent1">
+                <a:lumMod val="30000"/>
+                <a:lumOff val="70000"/>
+              </a:schemeClr>
+            </a:gs>
+          </a:gsLst>
+          <a:lin ang="5400000" scaled="1"/>
+        </a:gradFill>
+        <a:effectLst/>
+      </p:bgPr>
+    </p:bg>
+    <p:spTree>
+      <p:nvGrpSpPr>
+        <p:cNvPr id="1" name=""/>
+        <p:cNvGrpSpPr/>
+        <p:nvPr/>
+      </p:nvGrpSpPr>
+      <p:grpSpPr>
+        <a:xfrm>
+          <a:off x="0" y="0"/>
+          <a:ext cx="0" cy="0"/>
+          <a:chOff x="0" y="0"/>
+          <a:chExt cx="0" cy="0"/>
+        </a:xfrm>
+      </p:grpSpPr>
+      <p:sp>
+        <p:nvSpPr>
+          <p:cNvPr id="2" name="Title 1"/>
+          <p:cNvSpPr>
+            <a:spLocks noGrp="1"/>
+          </p:cNvSpPr>
+          <p:nvPr>
+            <p:ph type="title"/>
+          </p:nvPr>
+        </p:nvSpPr>
+        <p:spPr>
+          <a:xfrm>
+            <a:off x="134816" y="0"/>
+            <a:ext cx="10515600" cy="1325563"/>
+          </a:xfrm>
+        </p:spPr>
+        <p:txBody>
+          <a:bodyPr/>
+          <a:lstStyle/>
+          <a:p>
+            <a:r>
+              <a:rPr lang="en-US" dirty="0"/>
+              <a:t>Configure</a:t>
+            </a:r>
+          </a:p>
+        </p:txBody>
+      </p:sp>
+      <p:sp>
+        <p:nvSpPr>
+          <p:cNvPr id="3" name="TextBox 2">
+            <a:extLst>
+              <a:ext uri="{FF2B5EF4-FFF2-40B4-BE49-F238E27FC236}">
+                <a16:creationId xmlns:a16="http://schemas.microsoft.com/office/drawing/2014/main" id="{ADDF9C7B-D1A4-43C4-8257-A0442BD6194E}"/>
+              </a:ext>
+            </a:extLst>
+          </p:cNvPr>
+          <p:cNvSpPr txBox="1"/>
+          <p:nvPr/>
+        </p:nvSpPr>
+        <p:spPr>
+          <a:xfrm>
+            <a:off x="322385" y="1325563"/>
+            <a:ext cx="11224846" cy="523220"/>
+          </a:xfrm>
+          <a:prstGeom prst="rect">
+            <a:avLst/>
+          </a:prstGeom>
+          <a:noFill/>
+        </p:spPr>
+        <p:txBody>
+          <a:bodyPr wrap="square" rtlCol="0">
+            <a:spAutoFit/>
+          </a:bodyPr>
+          <a:lstStyle/>
+          <a:p>
+            <a:pPr marL="457200" indent="-457200">
+              <a:buFont typeface="Arial" panose="020B0604020202020204" pitchFamily="34" charset="0"/>
+              <a:buChar char="•"/>
+            </a:pPr>
+            <a:r>
+              <a:rPr lang="en-US" sz="2800" dirty="0"/>
+              <a:t>text</a:t>
+            </a:r>
+          </a:p>
+        </p:txBody>
+      </p:sp>
+    </p:spTree>
+    <p:extLst>
+      <p:ext uri="{BB962C8B-B14F-4D97-AF65-F5344CB8AC3E}">
+        <p14:creationId xmlns:p14="http://schemas.microsoft.com/office/powerpoint/2010/main" val="1876708252"/>
+      </p:ext>
+    </p:extLst>
+  </p:cSld>
+  <p:clrMapOvr>
+    <a:masterClrMapping/>
+  </p:clrMapOvr>
+</p:sld>
+</file>
+
+<file path=ppt/slides/slide45.xml><?xml version="1.0" encoding="utf-8"?>
 <p:sld xmlns:a="http://schemas.openxmlformats.org/drawingml/2006/main" xmlns:r="http://schemas.openxmlformats.org/officeDocument/2006/relationships" xmlns:p="http://schemas.openxmlformats.org/presentationml/2006/main">
   <p:cSld>
     <p:bg>

--- a/Host&Startup.pptx
+++ b/Host&Startup.pptx
@@ -5,7 +5,7 @@
     <p:sldMasterId id="2147483648" r:id="rId1"/>
   </p:sldMasterIdLst>
   <p:notesMasterIdLst>
-    <p:notesMasterId r:id="rId47"/>
+    <p:notesMasterId r:id="rId54"/>
   </p:notesMasterIdLst>
   <p:sldIdLst>
     <p:sldId id="256" r:id="rId2"/>
@@ -52,7 +52,14 @@
     <p:sldId id="370" r:id="rId43"/>
     <p:sldId id="371" r:id="rId44"/>
     <p:sldId id="372" r:id="rId45"/>
-    <p:sldId id="330" r:id="rId46"/>
+    <p:sldId id="373" r:id="rId46"/>
+    <p:sldId id="374" r:id="rId47"/>
+    <p:sldId id="375" r:id="rId48"/>
+    <p:sldId id="376" r:id="rId49"/>
+    <p:sldId id="377" r:id="rId50"/>
+    <p:sldId id="378" r:id="rId51"/>
+    <p:sldId id="379" r:id="rId52"/>
+    <p:sldId id="330" r:id="rId53"/>
   </p:sldIdLst>
   <p:sldSz cx="12192000" cy="6858000"/>
   <p:notesSz cx="6858000" cy="9144000"/>
@@ -241,7 +248,7 @@
           <a:p>
             <a:fld id="{1747B90C-FE49-44DE-93E7-FA9DDECBEA03}" type="datetimeFigureOut">
               <a:rPr lang="en-US" smtClean="0"/>
-              <a:t>12/2/2019</a:t>
+              <a:t>12/3/2019</a:t>
             </a:fld>
             <a:endParaRPr lang="en-US"/>
           </a:p>
@@ -4217,90 +4224,6 @@
           <a:bodyPr/>
           <a:lstStyle/>
           <a:p>
-            <a:r>
-              <a:rPr lang="en-US" sz="1200" b="0" i="0" kern="1200" dirty="0">
-                <a:solidFill>
-                  <a:schemeClr val="tx1"/>
-                </a:solidFill>
-                <a:effectLst/>
-                <a:latin typeface="+mn-lt"/>
-                <a:ea typeface="+mn-ea"/>
-                <a:cs typeface="+mn-cs"/>
-              </a:rPr>
-              <a:t>The Configure method is used to specify how the app responds to HTTP requests. The request pipeline is configured by adding middleware components to an </a:t>
-            </a:r>
-            <a:r>
-              <a:rPr lang="en-US" sz="1200" b="0" i="0" kern="1200" dirty="0" err="1">
-                <a:solidFill>
-                  <a:schemeClr val="tx1"/>
-                </a:solidFill>
-                <a:effectLst/>
-                <a:latin typeface="+mn-lt"/>
-                <a:ea typeface="+mn-ea"/>
-                <a:cs typeface="+mn-cs"/>
-              </a:rPr>
-              <a:t>IApplicationBuilder</a:t>
-            </a:r>
-            <a:r>
-              <a:rPr lang="en-US" sz="1200" b="0" i="0" kern="1200" dirty="0">
-                <a:solidFill>
-                  <a:schemeClr val="tx1"/>
-                </a:solidFill>
-                <a:effectLst/>
-                <a:latin typeface="+mn-lt"/>
-                <a:ea typeface="+mn-ea"/>
-                <a:cs typeface="+mn-cs"/>
-              </a:rPr>
-              <a:t> instance. </a:t>
-            </a:r>
-            <a:r>
-              <a:rPr lang="en-US" sz="1200" b="0" i="0" kern="1200" dirty="0" err="1">
-                <a:solidFill>
-                  <a:schemeClr val="tx1"/>
-                </a:solidFill>
-                <a:effectLst/>
-                <a:latin typeface="+mn-lt"/>
-                <a:ea typeface="+mn-ea"/>
-                <a:cs typeface="+mn-cs"/>
-              </a:rPr>
-              <a:t>IApplicationBuilder</a:t>
-            </a:r>
-            <a:r>
-              <a:rPr lang="en-US" sz="1200" b="0" i="0" kern="1200" dirty="0">
-                <a:solidFill>
-                  <a:schemeClr val="tx1"/>
-                </a:solidFill>
-                <a:effectLst/>
-                <a:latin typeface="+mn-lt"/>
-                <a:ea typeface="+mn-ea"/>
-                <a:cs typeface="+mn-cs"/>
-              </a:rPr>
-              <a:t> is available to the Configure method, but it isn't registered in the service container. Hosting creates an </a:t>
-            </a:r>
-            <a:r>
-              <a:rPr lang="en-US" sz="1200" b="0" i="0" kern="1200" dirty="0" err="1">
-                <a:solidFill>
-                  <a:schemeClr val="tx1"/>
-                </a:solidFill>
-                <a:effectLst/>
-                <a:latin typeface="+mn-lt"/>
-                <a:ea typeface="+mn-ea"/>
-                <a:cs typeface="+mn-cs"/>
-              </a:rPr>
-              <a:t>IApplicationBuilder</a:t>
-            </a:r>
-            <a:r>
-              <a:rPr lang="en-US" sz="1200" b="0" i="0" kern="1200" dirty="0">
-                <a:solidFill>
-                  <a:schemeClr val="tx1"/>
-                </a:solidFill>
-                <a:effectLst/>
-                <a:latin typeface="+mn-lt"/>
-                <a:ea typeface="+mn-ea"/>
-                <a:cs typeface="+mn-cs"/>
-              </a:rPr>
-              <a:t> and passes it directly to Configure.</a:t>
-            </a:r>
             <a:endParaRPr lang="ru-RU" sz="1200" b="0" i="0" kern="1200" dirty="0">
               <a:solidFill>
                 <a:schemeClr val="tx1"/>
@@ -4393,7 +4316,15 @@
           <a:bodyPr/>
           <a:lstStyle/>
           <a:p>
-            <a:endParaRPr lang="en-US" dirty="0"/>
+            <a:endParaRPr lang="ru-RU" sz="1200" b="0" i="0" kern="1200" dirty="0">
+              <a:solidFill>
+                <a:schemeClr val="tx1"/>
+              </a:solidFill>
+              <a:effectLst/>
+              <a:latin typeface="+mn-lt"/>
+              <a:ea typeface="+mn-ea"/>
+              <a:cs typeface="+mn-cs"/>
+            </a:endParaRPr>
           </a:p>
         </p:txBody>
       </p:sp>
@@ -4415,6 +4346,851 @@
             <a:fld id="{BA1D5B97-ACF5-4677-A104-92B2393AA446}" type="slidenum">
               <a:rPr lang="en-US" smtClean="0"/>
               <a:t>45</a:t>
+            </a:fld>
+            <a:endParaRPr lang="en-US"/>
+          </a:p>
+        </p:txBody>
+      </p:sp>
+    </p:spTree>
+    <p:extLst>
+      <p:ext uri="{BB962C8B-B14F-4D97-AF65-F5344CB8AC3E}">
+        <p14:creationId xmlns:p14="http://schemas.microsoft.com/office/powerpoint/2010/main" val="415206523"/>
+      </p:ext>
+    </p:extLst>
+  </p:cSld>
+  <p:clrMapOvr>
+    <a:masterClrMapping/>
+  </p:clrMapOvr>
+</p:notes>
+</file>
+
+<file path=ppt/notesSlides/notesSlide43.xml><?xml version="1.0" encoding="utf-8"?>
+<p:notes xmlns:a="http://schemas.openxmlformats.org/drawingml/2006/main" xmlns:r="http://schemas.openxmlformats.org/officeDocument/2006/relationships" xmlns:p="http://schemas.openxmlformats.org/presentationml/2006/main">
+  <p:cSld>
+    <p:spTree>
+      <p:nvGrpSpPr>
+        <p:cNvPr id="1" name=""/>
+        <p:cNvGrpSpPr/>
+        <p:nvPr/>
+      </p:nvGrpSpPr>
+      <p:grpSpPr>
+        <a:xfrm>
+          <a:off x="0" y="0"/>
+          <a:ext cx="0" cy="0"/>
+          <a:chOff x="0" y="0"/>
+          <a:chExt cx="0" cy="0"/>
+        </a:xfrm>
+      </p:grpSpPr>
+      <p:sp>
+        <p:nvSpPr>
+          <p:cNvPr id="2" name="Slide Image Placeholder 1"/>
+          <p:cNvSpPr>
+            <a:spLocks noGrp="1" noRot="1" noChangeAspect="1"/>
+          </p:cNvSpPr>
+          <p:nvPr>
+            <p:ph type="sldImg"/>
+          </p:nvPr>
+        </p:nvSpPr>
+        <p:spPr/>
+      </p:sp>
+      <p:sp>
+        <p:nvSpPr>
+          <p:cNvPr id="3" name="Notes Placeholder 2"/>
+          <p:cNvSpPr>
+            <a:spLocks noGrp="1"/>
+          </p:cNvSpPr>
+          <p:nvPr>
+            <p:ph type="body" idx="1"/>
+          </p:nvPr>
+        </p:nvSpPr>
+        <p:spPr/>
+        <p:txBody>
+          <a:bodyPr/>
+          <a:lstStyle/>
+          <a:p>
+            <a:endParaRPr lang="ru-RU" sz="1200" b="0" i="0" kern="1200" dirty="0">
+              <a:solidFill>
+                <a:schemeClr val="tx1"/>
+              </a:solidFill>
+              <a:effectLst/>
+              <a:latin typeface="+mn-lt"/>
+              <a:ea typeface="+mn-ea"/>
+              <a:cs typeface="+mn-cs"/>
+            </a:endParaRPr>
+          </a:p>
+        </p:txBody>
+      </p:sp>
+      <p:sp>
+        <p:nvSpPr>
+          <p:cNvPr id="4" name="Slide Number Placeholder 3"/>
+          <p:cNvSpPr>
+            <a:spLocks noGrp="1"/>
+          </p:cNvSpPr>
+          <p:nvPr>
+            <p:ph type="sldNum" sz="quarter" idx="10"/>
+          </p:nvPr>
+        </p:nvSpPr>
+        <p:spPr/>
+        <p:txBody>
+          <a:bodyPr/>
+          <a:lstStyle/>
+          <a:p>
+            <a:fld id="{BA1D5B97-ACF5-4677-A104-92B2393AA446}" type="slidenum">
+              <a:rPr lang="en-US" smtClean="0"/>
+              <a:t>46</a:t>
+            </a:fld>
+            <a:endParaRPr lang="en-US"/>
+          </a:p>
+        </p:txBody>
+      </p:sp>
+    </p:spTree>
+    <p:extLst>
+      <p:ext uri="{BB962C8B-B14F-4D97-AF65-F5344CB8AC3E}">
+        <p14:creationId xmlns:p14="http://schemas.microsoft.com/office/powerpoint/2010/main" val="1710255533"/>
+      </p:ext>
+    </p:extLst>
+  </p:cSld>
+  <p:clrMapOvr>
+    <a:masterClrMapping/>
+  </p:clrMapOvr>
+</p:notes>
+</file>
+
+<file path=ppt/notesSlides/notesSlide44.xml><?xml version="1.0" encoding="utf-8"?>
+<p:notes xmlns:a="http://schemas.openxmlformats.org/drawingml/2006/main" xmlns:r="http://schemas.openxmlformats.org/officeDocument/2006/relationships" xmlns:p="http://schemas.openxmlformats.org/presentationml/2006/main">
+  <p:cSld>
+    <p:spTree>
+      <p:nvGrpSpPr>
+        <p:cNvPr id="1" name=""/>
+        <p:cNvGrpSpPr/>
+        <p:nvPr/>
+      </p:nvGrpSpPr>
+      <p:grpSpPr>
+        <a:xfrm>
+          <a:off x="0" y="0"/>
+          <a:ext cx="0" cy="0"/>
+          <a:chOff x="0" y="0"/>
+          <a:chExt cx="0" cy="0"/>
+        </a:xfrm>
+      </p:grpSpPr>
+      <p:sp>
+        <p:nvSpPr>
+          <p:cNvPr id="2" name="Slide Image Placeholder 1"/>
+          <p:cNvSpPr>
+            <a:spLocks noGrp="1" noRot="1" noChangeAspect="1"/>
+          </p:cNvSpPr>
+          <p:nvPr>
+            <p:ph type="sldImg"/>
+          </p:nvPr>
+        </p:nvSpPr>
+        <p:spPr/>
+      </p:sp>
+      <p:sp>
+        <p:nvSpPr>
+          <p:cNvPr id="3" name="Notes Placeholder 2"/>
+          <p:cNvSpPr>
+            <a:spLocks noGrp="1"/>
+          </p:cNvSpPr>
+          <p:nvPr>
+            <p:ph type="body" idx="1"/>
+          </p:nvPr>
+        </p:nvSpPr>
+        <p:spPr/>
+        <p:txBody>
+          <a:bodyPr/>
+          <a:lstStyle/>
+          <a:p>
+            <a:endParaRPr lang="ru-RU" sz="1200" b="0" i="0" kern="1200" dirty="0">
+              <a:solidFill>
+                <a:schemeClr val="tx1"/>
+              </a:solidFill>
+              <a:effectLst/>
+              <a:latin typeface="+mn-lt"/>
+              <a:ea typeface="+mn-ea"/>
+              <a:cs typeface="+mn-cs"/>
+            </a:endParaRPr>
+          </a:p>
+        </p:txBody>
+      </p:sp>
+      <p:sp>
+        <p:nvSpPr>
+          <p:cNvPr id="4" name="Slide Number Placeholder 3"/>
+          <p:cNvSpPr>
+            <a:spLocks noGrp="1"/>
+          </p:cNvSpPr>
+          <p:nvPr>
+            <p:ph type="sldNum" sz="quarter" idx="10"/>
+          </p:nvPr>
+        </p:nvSpPr>
+        <p:spPr/>
+        <p:txBody>
+          <a:bodyPr/>
+          <a:lstStyle/>
+          <a:p>
+            <a:fld id="{BA1D5B97-ACF5-4677-A104-92B2393AA446}" type="slidenum">
+              <a:rPr lang="en-US" smtClean="0"/>
+              <a:t>47</a:t>
+            </a:fld>
+            <a:endParaRPr lang="en-US"/>
+          </a:p>
+        </p:txBody>
+      </p:sp>
+    </p:spTree>
+    <p:extLst>
+      <p:ext uri="{BB962C8B-B14F-4D97-AF65-F5344CB8AC3E}">
+        <p14:creationId xmlns:p14="http://schemas.microsoft.com/office/powerpoint/2010/main" val="2099276035"/>
+      </p:ext>
+    </p:extLst>
+  </p:cSld>
+  <p:clrMapOvr>
+    <a:masterClrMapping/>
+  </p:clrMapOvr>
+</p:notes>
+</file>
+
+<file path=ppt/notesSlides/notesSlide45.xml><?xml version="1.0" encoding="utf-8"?>
+<p:notes xmlns:a="http://schemas.openxmlformats.org/drawingml/2006/main" xmlns:r="http://schemas.openxmlformats.org/officeDocument/2006/relationships" xmlns:p="http://schemas.openxmlformats.org/presentationml/2006/main">
+  <p:cSld>
+    <p:spTree>
+      <p:nvGrpSpPr>
+        <p:cNvPr id="1" name=""/>
+        <p:cNvGrpSpPr/>
+        <p:nvPr/>
+      </p:nvGrpSpPr>
+      <p:grpSpPr>
+        <a:xfrm>
+          <a:off x="0" y="0"/>
+          <a:ext cx="0" cy="0"/>
+          <a:chOff x="0" y="0"/>
+          <a:chExt cx="0" cy="0"/>
+        </a:xfrm>
+      </p:grpSpPr>
+      <p:sp>
+        <p:nvSpPr>
+          <p:cNvPr id="2" name="Slide Image Placeholder 1"/>
+          <p:cNvSpPr>
+            <a:spLocks noGrp="1" noRot="1" noChangeAspect="1"/>
+          </p:cNvSpPr>
+          <p:nvPr>
+            <p:ph type="sldImg"/>
+          </p:nvPr>
+        </p:nvSpPr>
+        <p:spPr/>
+      </p:sp>
+      <p:sp>
+        <p:nvSpPr>
+          <p:cNvPr id="3" name="Notes Placeholder 2"/>
+          <p:cNvSpPr>
+            <a:spLocks noGrp="1"/>
+          </p:cNvSpPr>
+          <p:nvPr>
+            <p:ph type="body" idx="1"/>
+          </p:nvPr>
+        </p:nvSpPr>
+        <p:spPr/>
+        <p:txBody>
+          <a:bodyPr/>
+          <a:lstStyle/>
+          <a:p>
+            <a:endParaRPr lang="ru-RU" sz="1200" b="0" i="0" kern="1200" dirty="0">
+              <a:solidFill>
+                <a:schemeClr val="tx1"/>
+              </a:solidFill>
+              <a:effectLst/>
+              <a:latin typeface="+mn-lt"/>
+              <a:ea typeface="+mn-ea"/>
+              <a:cs typeface="+mn-cs"/>
+            </a:endParaRPr>
+          </a:p>
+        </p:txBody>
+      </p:sp>
+      <p:sp>
+        <p:nvSpPr>
+          <p:cNvPr id="4" name="Slide Number Placeholder 3"/>
+          <p:cNvSpPr>
+            <a:spLocks noGrp="1"/>
+          </p:cNvSpPr>
+          <p:nvPr>
+            <p:ph type="sldNum" sz="quarter" idx="10"/>
+          </p:nvPr>
+        </p:nvSpPr>
+        <p:spPr/>
+        <p:txBody>
+          <a:bodyPr/>
+          <a:lstStyle/>
+          <a:p>
+            <a:fld id="{BA1D5B97-ACF5-4677-A104-92B2393AA446}" type="slidenum">
+              <a:rPr lang="en-US" smtClean="0"/>
+              <a:t>48</a:t>
+            </a:fld>
+            <a:endParaRPr lang="en-US"/>
+          </a:p>
+        </p:txBody>
+      </p:sp>
+    </p:spTree>
+    <p:extLst>
+      <p:ext uri="{BB962C8B-B14F-4D97-AF65-F5344CB8AC3E}">
+        <p14:creationId xmlns:p14="http://schemas.microsoft.com/office/powerpoint/2010/main" val="1421792015"/>
+      </p:ext>
+    </p:extLst>
+  </p:cSld>
+  <p:clrMapOvr>
+    <a:masterClrMapping/>
+  </p:clrMapOvr>
+</p:notes>
+</file>
+
+<file path=ppt/notesSlides/notesSlide46.xml><?xml version="1.0" encoding="utf-8"?>
+<p:notes xmlns:a="http://schemas.openxmlformats.org/drawingml/2006/main" xmlns:r="http://schemas.openxmlformats.org/officeDocument/2006/relationships" xmlns:p="http://schemas.openxmlformats.org/presentationml/2006/main">
+  <p:cSld>
+    <p:spTree>
+      <p:nvGrpSpPr>
+        <p:cNvPr id="1" name=""/>
+        <p:cNvGrpSpPr/>
+        <p:nvPr/>
+      </p:nvGrpSpPr>
+      <p:grpSpPr>
+        <a:xfrm>
+          <a:off x="0" y="0"/>
+          <a:ext cx="0" cy="0"/>
+          <a:chOff x="0" y="0"/>
+          <a:chExt cx="0" cy="0"/>
+        </a:xfrm>
+      </p:grpSpPr>
+      <p:sp>
+        <p:nvSpPr>
+          <p:cNvPr id="2" name="Slide Image Placeholder 1"/>
+          <p:cNvSpPr>
+            <a:spLocks noGrp="1" noRot="1" noChangeAspect="1"/>
+          </p:cNvSpPr>
+          <p:nvPr>
+            <p:ph type="sldImg"/>
+          </p:nvPr>
+        </p:nvSpPr>
+        <p:spPr/>
+      </p:sp>
+      <p:sp>
+        <p:nvSpPr>
+          <p:cNvPr id="3" name="Notes Placeholder 2"/>
+          <p:cNvSpPr>
+            <a:spLocks noGrp="1"/>
+          </p:cNvSpPr>
+          <p:nvPr>
+            <p:ph type="body" idx="1"/>
+          </p:nvPr>
+        </p:nvSpPr>
+        <p:spPr/>
+        <p:txBody>
+          <a:bodyPr/>
+          <a:lstStyle/>
+          <a:p>
+            <a:endParaRPr lang="ru-RU" sz="1200" b="0" i="0" kern="1200" dirty="0">
+              <a:solidFill>
+                <a:schemeClr val="tx1"/>
+              </a:solidFill>
+              <a:effectLst/>
+              <a:latin typeface="+mn-lt"/>
+              <a:ea typeface="+mn-ea"/>
+              <a:cs typeface="+mn-cs"/>
+            </a:endParaRPr>
+          </a:p>
+        </p:txBody>
+      </p:sp>
+      <p:sp>
+        <p:nvSpPr>
+          <p:cNvPr id="4" name="Slide Number Placeholder 3"/>
+          <p:cNvSpPr>
+            <a:spLocks noGrp="1"/>
+          </p:cNvSpPr>
+          <p:nvPr>
+            <p:ph type="sldNum" sz="quarter" idx="10"/>
+          </p:nvPr>
+        </p:nvSpPr>
+        <p:spPr/>
+        <p:txBody>
+          <a:bodyPr/>
+          <a:lstStyle/>
+          <a:p>
+            <a:fld id="{BA1D5B97-ACF5-4677-A104-92B2393AA446}" type="slidenum">
+              <a:rPr lang="en-US" smtClean="0"/>
+              <a:t>49</a:t>
+            </a:fld>
+            <a:endParaRPr lang="en-US"/>
+          </a:p>
+        </p:txBody>
+      </p:sp>
+    </p:spTree>
+    <p:extLst>
+      <p:ext uri="{BB962C8B-B14F-4D97-AF65-F5344CB8AC3E}">
+        <p14:creationId xmlns:p14="http://schemas.microsoft.com/office/powerpoint/2010/main" val="972664480"/>
+      </p:ext>
+    </p:extLst>
+  </p:cSld>
+  <p:clrMapOvr>
+    <a:masterClrMapping/>
+  </p:clrMapOvr>
+</p:notes>
+</file>
+
+<file path=ppt/notesSlides/notesSlide47.xml><?xml version="1.0" encoding="utf-8"?>
+<p:notes xmlns:a="http://schemas.openxmlformats.org/drawingml/2006/main" xmlns:r="http://schemas.openxmlformats.org/officeDocument/2006/relationships" xmlns:p="http://schemas.openxmlformats.org/presentationml/2006/main">
+  <p:cSld>
+    <p:spTree>
+      <p:nvGrpSpPr>
+        <p:cNvPr id="1" name=""/>
+        <p:cNvGrpSpPr/>
+        <p:nvPr/>
+      </p:nvGrpSpPr>
+      <p:grpSpPr>
+        <a:xfrm>
+          <a:off x="0" y="0"/>
+          <a:ext cx="0" cy="0"/>
+          <a:chOff x="0" y="0"/>
+          <a:chExt cx="0" cy="0"/>
+        </a:xfrm>
+      </p:grpSpPr>
+      <p:sp>
+        <p:nvSpPr>
+          <p:cNvPr id="2" name="Slide Image Placeholder 1"/>
+          <p:cNvSpPr>
+            <a:spLocks noGrp="1" noRot="1" noChangeAspect="1"/>
+          </p:cNvSpPr>
+          <p:nvPr>
+            <p:ph type="sldImg"/>
+          </p:nvPr>
+        </p:nvSpPr>
+        <p:spPr/>
+      </p:sp>
+      <p:sp>
+        <p:nvSpPr>
+          <p:cNvPr id="3" name="Notes Placeholder 2"/>
+          <p:cNvSpPr>
+            <a:spLocks noGrp="1"/>
+          </p:cNvSpPr>
+          <p:nvPr>
+            <p:ph type="body" idx="1"/>
+          </p:nvPr>
+        </p:nvSpPr>
+        <p:spPr/>
+        <p:txBody>
+          <a:bodyPr/>
+          <a:lstStyle/>
+          <a:p>
+            <a:endParaRPr lang="ru-RU" sz="1200" b="0" i="0" kern="1200" dirty="0">
+              <a:solidFill>
+                <a:schemeClr val="tx1"/>
+              </a:solidFill>
+              <a:effectLst/>
+              <a:latin typeface="+mn-lt"/>
+              <a:ea typeface="+mn-ea"/>
+              <a:cs typeface="+mn-cs"/>
+            </a:endParaRPr>
+          </a:p>
+        </p:txBody>
+      </p:sp>
+      <p:sp>
+        <p:nvSpPr>
+          <p:cNvPr id="4" name="Slide Number Placeholder 3"/>
+          <p:cNvSpPr>
+            <a:spLocks noGrp="1"/>
+          </p:cNvSpPr>
+          <p:nvPr>
+            <p:ph type="sldNum" sz="quarter" idx="10"/>
+          </p:nvPr>
+        </p:nvSpPr>
+        <p:spPr/>
+        <p:txBody>
+          <a:bodyPr/>
+          <a:lstStyle/>
+          <a:p>
+            <a:fld id="{BA1D5B97-ACF5-4677-A104-92B2393AA446}" type="slidenum">
+              <a:rPr lang="en-US" smtClean="0"/>
+              <a:t>50</a:t>
+            </a:fld>
+            <a:endParaRPr lang="en-US"/>
+          </a:p>
+        </p:txBody>
+      </p:sp>
+    </p:spTree>
+    <p:extLst>
+      <p:ext uri="{BB962C8B-B14F-4D97-AF65-F5344CB8AC3E}">
+        <p14:creationId xmlns:p14="http://schemas.microsoft.com/office/powerpoint/2010/main" val="456998555"/>
+      </p:ext>
+    </p:extLst>
+  </p:cSld>
+  <p:clrMapOvr>
+    <a:masterClrMapping/>
+  </p:clrMapOvr>
+</p:notes>
+</file>
+
+<file path=ppt/notesSlides/notesSlide48.xml><?xml version="1.0" encoding="utf-8"?>
+<p:notes xmlns:a="http://schemas.openxmlformats.org/drawingml/2006/main" xmlns:r="http://schemas.openxmlformats.org/officeDocument/2006/relationships" xmlns:p="http://schemas.openxmlformats.org/presentationml/2006/main">
+  <p:cSld>
+    <p:spTree>
+      <p:nvGrpSpPr>
+        <p:cNvPr id="1" name=""/>
+        <p:cNvGrpSpPr/>
+        <p:nvPr/>
+      </p:nvGrpSpPr>
+      <p:grpSpPr>
+        <a:xfrm>
+          <a:off x="0" y="0"/>
+          <a:ext cx="0" cy="0"/>
+          <a:chOff x="0" y="0"/>
+          <a:chExt cx="0" cy="0"/>
+        </a:xfrm>
+      </p:grpSpPr>
+      <p:sp>
+        <p:nvSpPr>
+          <p:cNvPr id="2" name="Slide Image Placeholder 1"/>
+          <p:cNvSpPr>
+            <a:spLocks noGrp="1" noRot="1" noChangeAspect="1"/>
+          </p:cNvSpPr>
+          <p:nvPr>
+            <p:ph type="sldImg"/>
+          </p:nvPr>
+        </p:nvSpPr>
+        <p:spPr/>
+      </p:sp>
+      <p:sp>
+        <p:nvSpPr>
+          <p:cNvPr id="3" name="Notes Placeholder 2"/>
+          <p:cNvSpPr>
+            <a:spLocks noGrp="1"/>
+          </p:cNvSpPr>
+          <p:nvPr>
+            <p:ph type="body" idx="1"/>
+          </p:nvPr>
+        </p:nvSpPr>
+        <p:spPr/>
+        <p:txBody>
+          <a:bodyPr/>
+          <a:lstStyle/>
+          <a:p>
+            <a:r>
+              <a:rPr lang="en-US" sz="1200" b="0" i="0" kern="1200" dirty="0">
+                <a:solidFill>
+                  <a:schemeClr val="tx1"/>
+                </a:solidFill>
+                <a:effectLst/>
+                <a:latin typeface="+mn-lt"/>
+                <a:ea typeface="+mn-ea"/>
+                <a:cs typeface="+mn-cs"/>
+              </a:rPr>
+              <a:t>Order does matter.</a:t>
+            </a:r>
+          </a:p>
+          <a:p>
+            <a:r>
+              <a:rPr lang="en-US" dirty="0"/>
+              <a:t>Order </a:t>
+            </a:r>
+            <a:r>
+              <a:rPr lang="en-US" dirty="0" err="1"/>
+              <a:t>IStartupFilter</a:t>
+            </a:r>
+            <a:r>
+              <a:rPr lang="en-US" sz="1200" b="0" i="0" kern="1200" dirty="0">
+                <a:solidFill>
+                  <a:schemeClr val="tx1"/>
+                </a:solidFill>
+                <a:effectLst/>
+                <a:latin typeface="+mn-lt"/>
+                <a:ea typeface="+mn-ea"/>
+                <a:cs typeface="+mn-cs"/>
+              </a:rPr>
+              <a:t> service registrations to match the order that their </a:t>
+            </a:r>
+            <a:r>
+              <a:rPr lang="en-US" sz="1200" b="0" i="0" kern="1200" dirty="0" err="1">
+                <a:solidFill>
+                  <a:schemeClr val="tx1"/>
+                </a:solidFill>
+                <a:effectLst/>
+                <a:latin typeface="+mn-lt"/>
+                <a:ea typeface="+mn-ea"/>
+                <a:cs typeface="+mn-cs"/>
+              </a:rPr>
+              <a:t>middlewares</a:t>
+            </a:r>
+            <a:r>
+              <a:rPr lang="en-US" sz="1200" b="0" i="0" kern="1200" dirty="0">
+                <a:solidFill>
+                  <a:schemeClr val="tx1"/>
+                </a:solidFill>
+                <a:effectLst/>
+                <a:latin typeface="+mn-lt"/>
+                <a:ea typeface="+mn-ea"/>
+                <a:cs typeface="+mn-cs"/>
+              </a:rPr>
+              <a:t> should run.</a:t>
+            </a:r>
+          </a:p>
+          <a:p>
+            <a:endParaRPr lang="en-US" sz="1200" b="0" i="0" kern="1200" dirty="0">
+              <a:solidFill>
+                <a:schemeClr val="tx1"/>
+              </a:solidFill>
+              <a:effectLst/>
+              <a:latin typeface="+mn-lt"/>
+              <a:ea typeface="+mn-ea"/>
+              <a:cs typeface="+mn-cs"/>
+            </a:endParaRPr>
+          </a:p>
+          <a:p>
+            <a:r>
+              <a:rPr lang="en-US" sz="1200" b="0" i="0" kern="1200" dirty="0">
+                <a:solidFill>
+                  <a:schemeClr val="tx1"/>
+                </a:solidFill>
+                <a:effectLst/>
+                <a:latin typeface="+mn-lt"/>
+                <a:ea typeface="+mn-ea"/>
+                <a:cs typeface="+mn-cs"/>
+              </a:rPr>
+              <a:t>Libraries may add middleware with one or more </a:t>
+            </a:r>
+            <a:r>
+              <a:rPr lang="en-US" sz="1200" b="0" i="0" kern="1200" dirty="0" err="1">
+                <a:solidFill>
+                  <a:schemeClr val="tx1"/>
+                </a:solidFill>
+                <a:effectLst/>
+                <a:latin typeface="+mn-lt"/>
+                <a:ea typeface="+mn-ea"/>
+                <a:cs typeface="+mn-cs"/>
+              </a:rPr>
+              <a:t>IStartupFilter</a:t>
+            </a:r>
+            <a:r>
+              <a:rPr lang="en-US" sz="1200" b="0" i="0" kern="1200" dirty="0">
+                <a:solidFill>
+                  <a:schemeClr val="tx1"/>
+                </a:solidFill>
+                <a:effectLst/>
+                <a:latin typeface="+mn-lt"/>
+                <a:ea typeface="+mn-ea"/>
+                <a:cs typeface="+mn-cs"/>
+              </a:rPr>
+              <a:t> implementations that run before or after other app middleware registered with </a:t>
+            </a:r>
+            <a:r>
+              <a:rPr lang="en-US" sz="1200" b="0" i="0" kern="1200" dirty="0" err="1">
+                <a:solidFill>
+                  <a:schemeClr val="tx1"/>
+                </a:solidFill>
+                <a:effectLst/>
+                <a:latin typeface="+mn-lt"/>
+                <a:ea typeface="+mn-ea"/>
+                <a:cs typeface="+mn-cs"/>
+              </a:rPr>
+              <a:t>IStartupFilter</a:t>
+            </a:r>
+            <a:r>
+              <a:rPr lang="en-US" sz="1200" b="0" i="0" kern="1200" dirty="0">
+                <a:solidFill>
+                  <a:schemeClr val="tx1"/>
+                </a:solidFill>
+                <a:effectLst/>
+                <a:latin typeface="+mn-lt"/>
+                <a:ea typeface="+mn-ea"/>
+                <a:cs typeface="+mn-cs"/>
+              </a:rPr>
+              <a:t>. To invoke an </a:t>
+            </a:r>
+            <a:r>
+              <a:rPr lang="en-US" sz="1200" b="0" i="0" kern="1200" dirty="0" err="1">
+                <a:solidFill>
+                  <a:schemeClr val="tx1"/>
+                </a:solidFill>
+                <a:effectLst/>
+                <a:latin typeface="+mn-lt"/>
+                <a:ea typeface="+mn-ea"/>
+                <a:cs typeface="+mn-cs"/>
+              </a:rPr>
+              <a:t>IStartupFilter</a:t>
+            </a:r>
+            <a:r>
+              <a:rPr lang="en-US" sz="1200" b="0" i="0" kern="1200" dirty="0">
+                <a:solidFill>
+                  <a:schemeClr val="tx1"/>
+                </a:solidFill>
+                <a:effectLst/>
+                <a:latin typeface="+mn-lt"/>
+                <a:ea typeface="+mn-ea"/>
+                <a:cs typeface="+mn-cs"/>
+              </a:rPr>
+              <a:t> middleware before a middleware added by a library's </a:t>
+            </a:r>
+            <a:r>
+              <a:rPr lang="en-US" sz="1200" b="0" i="0" kern="1200" dirty="0" err="1">
+                <a:solidFill>
+                  <a:schemeClr val="tx1"/>
+                </a:solidFill>
+                <a:effectLst/>
+                <a:latin typeface="+mn-lt"/>
+                <a:ea typeface="+mn-ea"/>
+                <a:cs typeface="+mn-cs"/>
+              </a:rPr>
+              <a:t>IStartupFilter</a:t>
+            </a:r>
+            <a:r>
+              <a:rPr lang="en-US" sz="1200" b="0" i="0" kern="1200" dirty="0">
+                <a:solidFill>
+                  <a:schemeClr val="tx1"/>
+                </a:solidFill>
+                <a:effectLst/>
+                <a:latin typeface="+mn-lt"/>
+                <a:ea typeface="+mn-ea"/>
+                <a:cs typeface="+mn-cs"/>
+              </a:rPr>
+              <a:t>:</a:t>
+            </a:r>
+          </a:p>
+          <a:p>
+            <a:r>
+              <a:rPr lang="en-US" sz="1200" b="0" i="0" kern="1200" dirty="0">
+                <a:solidFill>
+                  <a:schemeClr val="tx1"/>
+                </a:solidFill>
+                <a:effectLst/>
+                <a:latin typeface="+mn-lt"/>
+                <a:ea typeface="+mn-ea"/>
+                <a:cs typeface="+mn-cs"/>
+              </a:rPr>
+              <a:t>Position the service registration before the library is added to the service container.</a:t>
+            </a:r>
+          </a:p>
+          <a:p>
+            <a:r>
+              <a:rPr lang="en-US" sz="1200" b="0" i="0" kern="1200" dirty="0">
+                <a:solidFill>
+                  <a:schemeClr val="tx1"/>
+                </a:solidFill>
+                <a:effectLst/>
+                <a:latin typeface="+mn-lt"/>
+                <a:ea typeface="+mn-ea"/>
+                <a:cs typeface="+mn-cs"/>
+              </a:rPr>
+              <a:t>To invoke afterward, position the service registration after the library is added.</a:t>
+            </a:r>
+          </a:p>
+          <a:p>
+            <a:endParaRPr lang="ru-RU" sz="1200" b="0" i="0" kern="1200" dirty="0">
+              <a:solidFill>
+                <a:schemeClr val="tx1"/>
+              </a:solidFill>
+              <a:effectLst/>
+              <a:latin typeface="+mn-lt"/>
+              <a:ea typeface="+mn-ea"/>
+              <a:cs typeface="+mn-cs"/>
+            </a:endParaRPr>
+          </a:p>
+        </p:txBody>
+      </p:sp>
+      <p:sp>
+        <p:nvSpPr>
+          <p:cNvPr id="4" name="Slide Number Placeholder 3"/>
+          <p:cNvSpPr>
+            <a:spLocks noGrp="1"/>
+          </p:cNvSpPr>
+          <p:nvPr>
+            <p:ph type="sldNum" sz="quarter" idx="10"/>
+          </p:nvPr>
+        </p:nvSpPr>
+        <p:spPr/>
+        <p:txBody>
+          <a:bodyPr/>
+          <a:lstStyle/>
+          <a:p>
+            <a:fld id="{BA1D5B97-ACF5-4677-A104-92B2393AA446}" type="slidenum">
+              <a:rPr lang="en-US" smtClean="0"/>
+              <a:t>51</a:t>
+            </a:fld>
+            <a:endParaRPr lang="en-US"/>
+          </a:p>
+        </p:txBody>
+      </p:sp>
+    </p:spTree>
+    <p:extLst>
+      <p:ext uri="{BB962C8B-B14F-4D97-AF65-F5344CB8AC3E}">
+        <p14:creationId xmlns:p14="http://schemas.microsoft.com/office/powerpoint/2010/main" val="2038473483"/>
+      </p:ext>
+    </p:extLst>
+  </p:cSld>
+  <p:clrMapOvr>
+    <a:masterClrMapping/>
+  </p:clrMapOvr>
+</p:notes>
+</file>
+
+<file path=ppt/notesSlides/notesSlide49.xml><?xml version="1.0" encoding="utf-8"?>
+<p:notes xmlns:a="http://schemas.openxmlformats.org/drawingml/2006/main" xmlns:r="http://schemas.openxmlformats.org/officeDocument/2006/relationships" xmlns:p="http://schemas.openxmlformats.org/presentationml/2006/main">
+  <p:cSld>
+    <p:spTree>
+      <p:nvGrpSpPr>
+        <p:cNvPr id="1" name=""/>
+        <p:cNvGrpSpPr/>
+        <p:nvPr/>
+      </p:nvGrpSpPr>
+      <p:grpSpPr>
+        <a:xfrm>
+          <a:off x="0" y="0"/>
+          <a:ext cx="0" cy="0"/>
+          <a:chOff x="0" y="0"/>
+          <a:chExt cx="0" cy="0"/>
+        </a:xfrm>
+      </p:grpSpPr>
+      <p:sp>
+        <p:nvSpPr>
+          <p:cNvPr id="2" name="Slide Image Placeholder 1"/>
+          <p:cNvSpPr>
+            <a:spLocks noGrp="1" noRot="1" noChangeAspect="1"/>
+          </p:cNvSpPr>
+          <p:nvPr>
+            <p:ph type="sldImg"/>
+          </p:nvPr>
+        </p:nvSpPr>
+        <p:spPr/>
+      </p:sp>
+      <p:sp>
+        <p:nvSpPr>
+          <p:cNvPr id="3" name="Notes Placeholder 2"/>
+          <p:cNvSpPr>
+            <a:spLocks noGrp="1"/>
+          </p:cNvSpPr>
+          <p:nvPr>
+            <p:ph type="body" idx="1"/>
+          </p:nvPr>
+        </p:nvSpPr>
+        <p:spPr/>
+        <p:txBody>
+          <a:bodyPr/>
+          <a:lstStyle/>
+          <a:p>
+            <a:endParaRPr lang="en-US" dirty="0"/>
+          </a:p>
+        </p:txBody>
+      </p:sp>
+      <p:sp>
+        <p:nvSpPr>
+          <p:cNvPr id="4" name="Slide Number Placeholder 3"/>
+          <p:cNvSpPr>
+            <a:spLocks noGrp="1"/>
+          </p:cNvSpPr>
+          <p:nvPr>
+            <p:ph type="sldNum" sz="quarter" idx="10"/>
+          </p:nvPr>
+        </p:nvSpPr>
+        <p:spPr/>
+        <p:txBody>
+          <a:bodyPr/>
+          <a:lstStyle/>
+          <a:p>
+            <a:fld id="{BA1D5B97-ACF5-4677-A104-92B2393AA446}" type="slidenum">
+              <a:rPr lang="en-US" smtClean="0"/>
+              <a:t>52</a:t>
             </a:fld>
             <a:endParaRPr lang="en-US"/>
           </a:p>
@@ -5299,7 +6075,7 @@
           <a:p>
             <a:fld id="{622E22BE-79DE-4FFF-A515-BF1CA8DF801A}" type="datetimeFigureOut">
               <a:rPr lang="en-US" smtClean="0"/>
-              <a:t>12/2/2019</a:t>
+              <a:t>12/3/2019</a:t>
             </a:fld>
             <a:endParaRPr lang="en-US"/>
           </a:p>
@@ -5467,7 +6243,7 @@
           <a:p>
             <a:fld id="{622E22BE-79DE-4FFF-A515-BF1CA8DF801A}" type="datetimeFigureOut">
               <a:rPr lang="en-US" smtClean="0"/>
-              <a:t>12/2/2019</a:t>
+              <a:t>12/3/2019</a:t>
             </a:fld>
             <a:endParaRPr lang="en-US"/>
           </a:p>
@@ -5645,7 +6421,7 @@
           <a:p>
             <a:fld id="{622E22BE-79DE-4FFF-A515-BF1CA8DF801A}" type="datetimeFigureOut">
               <a:rPr lang="en-US" smtClean="0"/>
-              <a:t>12/2/2019</a:t>
+              <a:t>12/3/2019</a:t>
             </a:fld>
             <a:endParaRPr lang="en-US"/>
           </a:p>
@@ -5813,7 +6589,7 @@
           <a:p>
             <a:fld id="{622E22BE-79DE-4FFF-A515-BF1CA8DF801A}" type="datetimeFigureOut">
               <a:rPr lang="en-US" smtClean="0"/>
-              <a:t>12/2/2019</a:t>
+              <a:t>12/3/2019</a:t>
             </a:fld>
             <a:endParaRPr lang="en-US"/>
           </a:p>
@@ -6058,7 +6834,7 @@
           <a:p>
             <a:fld id="{622E22BE-79DE-4FFF-A515-BF1CA8DF801A}" type="datetimeFigureOut">
               <a:rPr lang="en-US" smtClean="0"/>
-              <a:t>12/2/2019</a:t>
+              <a:t>12/3/2019</a:t>
             </a:fld>
             <a:endParaRPr lang="en-US"/>
           </a:p>
@@ -6287,7 +7063,7 @@
           <a:p>
             <a:fld id="{622E22BE-79DE-4FFF-A515-BF1CA8DF801A}" type="datetimeFigureOut">
               <a:rPr lang="en-US" smtClean="0"/>
-              <a:t>12/2/2019</a:t>
+              <a:t>12/3/2019</a:t>
             </a:fld>
             <a:endParaRPr lang="en-US"/>
           </a:p>
@@ -6651,7 +7427,7 @@
           <a:p>
             <a:fld id="{622E22BE-79DE-4FFF-A515-BF1CA8DF801A}" type="datetimeFigureOut">
               <a:rPr lang="en-US" smtClean="0"/>
-              <a:t>12/2/2019</a:t>
+              <a:t>12/3/2019</a:t>
             </a:fld>
             <a:endParaRPr lang="en-US"/>
           </a:p>
@@ -6768,7 +7544,7 @@
           <a:p>
             <a:fld id="{622E22BE-79DE-4FFF-A515-BF1CA8DF801A}" type="datetimeFigureOut">
               <a:rPr lang="en-US" smtClean="0"/>
-              <a:t>12/2/2019</a:t>
+              <a:t>12/3/2019</a:t>
             </a:fld>
             <a:endParaRPr lang="en-US"/>
           </a:p>
@@ -6863,7 +7639,7 @@
           <a:p>
             <a:fld id="{622E22BE-79DE-4FFF-A515-BF1CA8DF801A}" type="datetimeFigureOut">
               <a:rPr lang="en-US" smtClean="0"/>
-              <a:t>12/2/2019</a:t>
+              <a:t>12/3/2019</a:t>
             </a:fld>
             <a:endParaRPr lang="en-US"/>
           </a:p>
@@ -7138,7 +7914,7 @@
           <a:p>
             <a:fld id="{622E22BE-79DE-4FFF-A515-BF1CA8DF801A}" type="datetimeFigureOut">
               <a:rPr lang="en-US" smtClean="0"/>
-              <a:t>12/2/2019</a:t>
+              <a:t>12/3/2019</a:t>
             </a:fld>
             <a:endParaRPr lang="en-US"/>
           </a:p>
@@ -7390,7 +8166,7 @@
           <a:p>
             <a:fld id="{622E22BE-79DE-4FFF-A515-BF1CA8DF801A}" type="datetimeFigureOut">
               <a:rPr lang="en-US" smtClean="0"/>
-              <a:t>12/2/2019</a:t>
+              <a:t>12/3/2019</a:t>
             </a:fld>
             <a:endParaRPr lang="en-US"/>
           </a:p>
@@ -7601,7 +8377,7 @@
           <a:p>
             <a:fld id="{622E22BE-79DE-4FFF-A515-BF1CA8DF801A}" type="datetimeFigureOut">
               <a:rPr lang="en-US" smtClean="0"/>
-              <a:t>12/2/2019</a:t>
+              <a:t>12/3/2019</a:t>
             </a:fld>
             <a:endParaRPr lang="en-US"/>
           </a:p>
@@ -15443,8 +16219,8 @@
         </p:nvSpPr>
         <p:spPr>
           <a:xfrm>
-            <a:off x="322385" y="1325563"/>
-            <a:ext cx="11224846" cy="523220"/>
+            <a:off x="550985" y="1642086"/>
+            <a:ext cx="11734799" cy="3970318"/>
           </a:xfrm>
           <a:prstGeom prst="rect">
             <a:avLst/>
@@ -15463,11 +16239,93 @@
             </a:pPr>
             <a:r>
               <a:rPr lang="en-US" sz="2800" dirty="0"/>
-              <a:t>text</a:t>
-            </a:r>
-          </a:p>
-        </p:txBody>
-      </p:sp>
+              <a:t>Used to specify how the app responds to HTTP requests</a:t>
+            </a:r>
+          </a:p>
+          <a:p>
+            <a:endParaRPr lang="ru-RU" sz="2800" dirty="0"/>
+          </a:p>
+          <a:p>
+            <a:pPr marL="457200" indent="-457200">
+              <a:buFont typeface="Arial" panose="020B0604020202020204" pitchFamily="34" charset="0"/>
+              <a:buChar char="•"/>
+            </a:pPr>
+            <a:endParaRPr lang="en-US" sz="2800" dirty="0"/>
+          </a:p>
+          <a:p>
+            <a:pPr marL="457200" indent="-457200">
+              <a:buFont typeface="Arial" panose="020B0604020202020204" pitchFamily="34" charset="0"/>
+              <a:buChar char="•"/>
+            </a:pPr>
+            <a:r>
+              <a:rPr lang="en-US" sz="2800" dirty="0"/>
+              <a:t>Pipeline is configured by adding middleware components to </a:t>
+            </a:r>
+            <a:r>
+              <a:rPr lang="en-US" sz="2800" dirty="0" err="1"/>
+              <a:t>IApplicationBuilder</a:t>
+            </a:r>
+            <a:r>
+              <a:rPr lang="en-US" sz="2800" dirty="0"/>
+              <a:t> instance</a:t>
+            </a:r>
+          </a:p>
+          <a:p>
+            <a:pPr marL="457200" indent="-457200">
+              <a:buFont typeface="Arial" panose="020B0604020202020204" pitchFamily="34" charset="0"/>
+              <a:buChar char="•"/>
+            </a:pPr>
+            <a:endParaRPr lang="en-US" sz="2800" dirty="0"/>
+          </a:p>
+          <a:p>
+            <a:pPr marL="457200" indent="-457200">
+              <a:buFont typeface="Arial" panose="020B0604020202020204" pitchFamily="34" charset="0"/>
+              <a:buChar char="•"/>
+            </a:pPr>
+            <a:endParaRPr lang="en-US" sz="2800" dirty="0"/>
+          </a:p>
+          <a:p>
+            <a:endParaRPr lang="en-US" sz="2800" dirty="0"/>
+          </a:p>
+          <a:p>
+            <a:pPr marL="457200" indent="-457200">
+              <a:buFont typeface="Arial" panose="020B0604020202020204" pitchFamily="34" charset="0"/>
+              <a:buChar char="•"/>
+            </a:pPr>
+            <a:endParaRPr lang="en-US" sz="2800" dirty="0"/>
+          </a:p>
+        </p:txBody>
+      </p:sp>
+      <p:pic>
+        <p:nvPicPr>
+          <p:cNvPr id="4" name="Picture 3">
+            <a:extLst>
+              <a:ext uri="{FF2B5EF4-FFF2-40B4-BE49-F238E27FC236}">
+                <a16:creationId xmlns:a16="http://schemas.microsoft.com/office/drawing/2014/main" id="{E87A16EC-0C50-43C9-94D9-4A136300B825}"/>
+              </a:ext>
+            </a:extLst>
+          </p:cNvPr>
+          <p:cNvPicPr>
+            <a:picLocks noChangeAspect="1"/>
+          </p:cNvPicPr>
+          <p:nvPr/>
+        </p:nvPicPr>
+        <p:blipFill>
+          <a:blip r:embed="rId3"/>
+          <a:stretch>
+            <a:fillRect/>
+          </a:stretch>
+        </p:blipFill>
+        <p:spPr>
+          <a:xfrm>
+            <a:off x="3385040" y="4566139"/>
+            <a:ext cx="4727332" cy="814506"/>
+          </a:xfrm>
+          <a:prstGeom prst="rect">
+            <a:avLst/>
+          </a:prstGeom>
+        </p:spPr>
+      </p:pic>
     </p:spTree>
     <p:extLst>
       <p:ext uri="{BB962C8B-B14F-4D97-AF65-F5344CB8AC3E}">
@@ -15544,72 +16402,807 @@
         </p:nvSpPr>
         <p:spPr>
           <a:xfrm>
-            <a:off x="723130" y="784994"/>
-            <a:ext cx="10515600" cy="4689683"/>
+            <a:off x="134816" y="0"/>
+            <a:ext cx="10515600" cy="1325563"/>
           </a:xfrm>
         </p:spPr>
         <p:txBody>
-          <a:bodyPr>
-            <a:normAutofit/>
+          <a:bodyPr/>
+          <a:lstStyle/>
+          <a:p>
+            <a:r>
+              <a:rPr lang="en-US" dirty="0"/>
+              <a:t>Configure</a:t>
+            </a:r>
+          </a:p>
+        </p:txBody>
+      </p:sp>
+      <p:sp>
+        <p:nvSpPr>
+          <p:cNvPr id="3" name="TextBox 2">
+            <a:extLst>
+              <a:ext uri="{FF2B5EF4-FFF2-40B4-BE49-F238E27FC236}">
+                <a16:creationId xmlns:a16="http://schemas.microsoft.com/office/drawing/2014/main" id="{ADDF9C7B-D1A4-43C4-8257-A0442BD6194E}"/>
+              </a:ext>
+            </a:extLst>
+          </p:cNvPr>
+          <p:cNvSpPr txBox="1"/>
+          <p:nvPr/>
+        </p:nvSpPr>
+        <p:spPr>
+          <a:xfrm>
+            <a:off x="550985" y="1642086"/>
+            <a:ext cx="11734799" cy="4401205"/>
+          </a:xfrm>
+          <a:prstGeom prst="rect">
+            <a:avLst/>
+          </a:prstGeom>
+          <a:noFill/>
+        </p:spPr>
+        <p:txBody>
+          <a:bodyPr wrap="square" rtlCol="0">
+            <a:spAutoFit/>
           </a:bodyPr>
           <a:lstStyle/>
           <a:p>
-            <a:pPr algn="ctr"/>
-            <a:r>
-              <a:rPr lang="en-US" dirty="0"/>
-              <a:t>Thanks for attention</a:t>
-            </a:r>
-            <a:br>
-              <a:rPr lang="en-US" dirty="0"/>
-            </a:br>
-            <a:br>
-              <a:rPr lang="en-US" dirty="0"/>
-            </a:br>
-            <a:r>
-              <a:rPr lang="en-US" dirty="0"/>
-              <a:t>Evgeniy Pilyaev</a:t>
-            </a:r>
-            <a:br>
-              <a:rPr lang="en-US" dirty="0"/>
-            </a:br>
-            <a:br>
-              <a:rPr lang="en-US" dirty="0"/>
-            </a:br>
-            <a:r>
-              <a:rPr lang="en-US" dirty="0">
-                <a:hlinkClick r:id="rId3"/>
-              </a:rPr>
-              <a:t>https://github.com/EPilyaev/ASPNetCoreMVC</a:t>
-            </a:r>
-            <a:br>
-              <a:rPr lang="en-US" dirty="0"/>
-            </a:br>
-            <a:br>
-              <a:rPr lang="en-US" dirty="0"/>
-            </a:br>
-            <a:r>
-              <a:rPr lang="en-US" dirty="0"/>
-              <a:t>(</a:t>
-            </a:r>
-            <a:r>
-              <a:rPr lang="en-US" dirty="0" err="1"/>
-              <a:t>Host&amp;Startup</a:t>
-            </a:r>
-            <a:r>
-              <a:rPr lang="en-US"/>
-              <a:t> presentation</a:t>
-            </a:r>
-            <a:r>
-              <a:rPr lang="en-US" dirty="0"/>
-              <a:t>)</a:t>
-            </a:r>
+            <a:pPr marL="457200" indent="-457200">
+              <a:buFont typeface="Arial" panose="020B0604020202020204" pitchFamily="34" charset="0"/>
+              <a:buChar char="•"/>
+            </a:pPr>
+            <a:r>
+              <a:rPr lang="en-US" sz="2800" dirty="0" err="1"/>
+              <a:t>IApplicationBuilder</a:t>
+            </a:r>
+            <a:r>
+              <a:rPr lang="en-US" sz="2800" dirty="0"/>
+              <a:t> is available to the Configure method, but it isn't registered in the service container. </a:t>
+            </a:r>
+            <a:endParaRPr lang="ru-RU" sz="2800" dirty="0"/>
+          </a:p>
+          <a:p>
+            <a:pPr marL="457200" indent="-457200">
+              <a:buFont typeface="Arial" panose="020B0604020202020204" pitchFamily="34" charset="0"/>
+              <a:buChar char="•"/>
+            </a:pPr>
+            <a:endParaRPr lang="en-US" sz="2800" dirty="0"/>
+          </a:p>
+          <a:p>
+            <a:pPr marL="457200" indent="-457200">
+              <a:buFont typeface="Arial" panose="020B0604020202020204" pitchFamily="34" charset="0"/>
+              <a:buChar char="•"/>
+            </a:pPr>
+            <a:endParaRPr lang="ru-RU" sz="2800" dirty="0"/>
+          </a:p>
+          <a:p>
+            <a:pPr marL="457200" indent="-457200">
+              <a:buFont typeface="Arial" panose="020B0604020202020204" pitchFamily="34" charset="0"/>
+              <a:buChar char="•"/>
+            </a:pPr>
+            <a:r>
+              <a:rPr lang="en-US" sz="2800" dirty="0"/>
+              <a:t>Hosting creates an </a:t>
+            </a:r>
+            <a:r>
+              <a:rPr lang="en-US" sz="2800" dirty="0" err="1"/>
+              <a:t>IApplicationBuilder</a:t>
+            </a:r>
+            <a:r>
+              <a:rPr lang="en-US" sz="2800" dirty="0"/>
+              <a:t> and passes it directly to Configure.</a:t>
+            </a:r>
+          </a:p>
+          <a:p>
+            <a:pPr marL="457200" indent="-457200">
+              <a:buFont typeface="Arial" panose="020B0604020202020204" pitchFamily="34" charset="0"/>
+              <a:buChar char="•"/>
+            </a:pPr>
+            <a:endParaRPr lang="en-US" sz="2800" dirty="0"/>
+          </a:p>
+          <a:p>
+            <a:pPr marL="457200" indent="-457200">
+              <a:buFont typeface="Arial" panose="020B0604020202020204" pitchFamily="34" charset="0"/>
+              <a:buChar char="•"/>
+            </a:pPr>
+            <a:endParaRPr lang="en-US" sz="2800" dirty="0"/>
+          </a:p>
+          <a:p>
+            <a:pPr marL="457200" indent="-457200">
+              <a:buFont typeface="Arial" panose="020B0604020202020204" pitchFamily="34" charset="0"/>
+              <a:buChar char="•"/>
+            </a:pPr>
+            <a:r>
+              <a:rPr lang="en-US" sz="2800" dirty="0"/>
+              <a:t>Each Use extension method adds one or more middleware components to the request pipeline</a:t>
+            </a:r>
+          </a:p>
+          <a:p>
+            <a:pPr marL="457200" indent="-457200">
+              <a:buFont typeface="Arial" panose="020B0604020202020204" pitchFamily="34" charset="0"/>
+              <a:buChar char="•"/>
+            </a:pPr>
+            <a:endParaRPr lang="en-US" sz="2800" dirty="0"/>
           </a:p>
         </p:txBody>
       </p:sp>
     </p:spTree>
     <p:extLst>
       <p:ext uri="{BB962C8B-B14F-4D97-AF65-F5344CB8AC3E}">
-        <p14:creationId xmlns:p14="http://schemas.microsoft.com/office/powerpoint/2010/main" val="979259589"/>
+        <p14:creationId xmlns:p14="http://schemas.microsoft.com/office/powerpoint/2010/main" val="1777391378"/>
+      </p:ext>
+    </p:extLst>
+  </p:cSld>
+  <p:clrMapOvr>
+    <a:masterClrMapping/>
+  </p:clrMapOvr>
+</p:sld>
+</file>
+
+<file path=ppt/slides/slide46.xml><?xml version="1.0" encoding="utf-8"?>
+<p:sld xmlns:a="http://schemas.openxmlformats.org/drawingml/2006/main" xmlns:r="http://schemas.openxmlformats.org/officeDocument/2006/relationships" xmlns:p="http://schemas.openxmlformats.org/presentationml/2006/main">
+  <p:cSld>
+    <p:bg>
+      <p:bgPr>
+        <a:gradFill>
+          <a:gsLst>
+            <a:gs pos="0">
+              <a:schemeClr val="accent1">
+                <a:lumMod val="5000"/>
+                <a:lumOff val="95000"/>
+              </a:schemeClr>
+            </a:gs>
+            <a:gs pos="42000">
+              <a:schemeClr val="accent1">
+                <a:lumMod val="45000"/>
+                <a:lumOff val="55000"/>
+              </a:schemeClr>
+            </a:gs>
+            <a:gs pos="83000">
+              <a:schemeClr val="accent1">
+                <a:lumMod val="45000"/>
+                <a:lumOff val="55000"/>
+              </a:schemeClr>
+            </a:gs>
+            <a:gs pos="100000">
+              <a:schemeClr val="accent1">
+                <a:lumMod val="30000"/>
+                <a:lumOff val="70000"/>
+              </a:schemeClr>
+            </a:gs>
+          </a:gsLst>
+          <a:lin ang="5400000" scaled="1"/>
+        </a:gradFill>
+        <a:effectLst/>
+      </p:bgPr>
+    </p:bg>
+    <p:spTree>
+      <p:nvGrpSpPr>
+        <p:cNvPr id="1" name=""/>
+        <p:cNvGrpSpPr/>
+        <p:nvPr/>
+      </p:nvGrpSpPr>
+      <p:grpSpPr>
+        <a:xfrm>
+          <a:off x="0" y="0"/>
+          <a:ext cx="0" cy="0"/>
+          <a:chOff x="0" y="0"/>
+          <a:chExt cx="0" cy="0"/>
+        </a:xfrm>
+      </p:grpSpPr>
+      <p:sp>
+        <p:nvSpPr>
+          <p:cNvPr id="2" name="Title 1"/>
+          <p:cNvSpPr>
+            <a:spLocks noGrp="1"/>
+          </p:cNvSpPr>
+          <p:nvPr>
+            <p:ph type="title"/>
+          </p:nvPr>
+        </p:nvSpPr>
+        <p:spPr>
+          <a:xfrm>
+            <a:off x="134816" y="0"/>
+            <a:ext cx="10515600" cy="1325563"/>
+          </a:xfrm>
+        </p:spPr>
+        <p:txBody>
+          <a:bodyPr/>
+          <a:lstStyle/>
+          <a:p>
+            <a:r>
+              <a:rPr lang="en-US" dirty="0"/>
+              <a:t>Configure</a:t>
+            </a:r>
+          </a:p>
+        </p:txBody>
+      </p:sp>
+      <p:sp>
+        <p:nvSpPr>
+          <p:cNvPr id="3" name="TextBox 2">
+            <a:extLst>
+              <a:ext uri="{FF2B5EF4-FFF2-40B4-BE49-F238E27FC236}">
+                <a16:creationId xmlns:a16="http://schemas.microsoft.com/office/drawing/2014/main" id="{ADDF9C7B-D1A4-43C4-8257-A0442BD6194E}"/>
+              </a:ext>
+            </a:extLst>
+          </p:cNvPr>
+          <p:cNvSpPr txBox="1"/>
+          <p:nvPr/>
+        </p:nvSpPr>
+        <p:spPr>
+          <a:xfrm>
+            <a:off x="550985" y="1642086"/>
+            <a:ext cx="11734799" cy="4401205"/>
+          </a:xfrm>
+          <a:prstGeom prst="rect">
+            <a:avLst/>
+          </a:prstGeom>
+          <a:noFill/>
+        </p:spPr>
+        <p:txBody>
+          <a:bodyPr wrap="square" rtlCol="0">
+            <a:spAutoFit/>
+          </a:bodyPr>
+          <a:lstStyle/>
+          <a:p>
+            <a:pPr marL="457200" indent="-457200">
+              <a:buFont typeface="Arial" panose="020B0604020202020204" pitchFamily="34" charset="0"/>
+              <a:buChar char="•"/>
+            </a:pPr>
+            <a:r>
+              <a:rPr lang="en-US" sz="2800" dirty="0" err="1"/>
+              <a:t>IApplicationBuilder</a:t>
+            </a:r>
+            <a:r>
+              <a:rPr lang="en-US" sz="2800" dirty="0"/>
+              <a:t> is available to the Configure method, but it isn't registered in the service container. </a:t>
+            </a:r>
+          </a:p>
+          <a:p>
+            <a:pPr marL="457200" indent="-457200">
+              <a:buFont typeface="Arial" panose="020B0604020202020204" pitchFamily="34" charset="0"/>
+              <a:buChar char="•"/>
+            </a:pPr>
+            <a:endParaRPr lang="ru-RU" sz="2800" dirty="0"/>
+          </a:p>
+          <a:p>
+            <a:pPr marL="457200" indent="-457200">
+              <a:buFont typeface="Arial" panose="020B0604020202020204" pitchFamily="34" charset="0"/>
+              <a:buChar char="•"/>
+            </a:pPr>
+            <a:r>
+              <a:rPr lang="en-US" sz="2800" dirty="0"/>
+              <a:t>Hosting creates an </a:t>
+            </a:r>
+            <a:r>
+              <a:rPr lang="en-US" sz="2800" dirty="0" err="1"/>
+              <a:t>IApplicationBuilder</a:t>
+            </a:r>
+            <a:r>
+              <a:rPr lang="en-US" sz="2800" dirty="0"/>
+              <a:t> and passes it directly to Configure.</a:t>
+            </a:r>
+          </a:p>
+          <a:p>
+            <a:pPr marL="457200" indent="-457200">
+              <a:buFont typeface="Arial" panose="020B0604020202020204" pitchFamily="34" charset="0"/>
+              <a:buChar char="•"/>
+            </a:pPr>
+            <a:endParaRPr lang="en-US" sz="2800" dirty="0"/>
+          </a:p>
+          <a:p>
+            <a:pPr marL="457200" indent="-457200">
+              <a:buFont typeface="Arial" panose="020B0604020202020204" pitchFamily="34" charset="0"/>
+              <a:buChar char="•"/>
+            </a:pPr>
+            <a:endParaRPr lang="en-US" sz="2800" dirty="0"/>
+          </a:p>
+          <a:p>
+            <a:pPr marL="457200" indent="-457200">
+              <a:buFont typeface="Arial" panose="020B0604020202020204" pitchFamily="34" charset="0"/>
+              <a:buChar char="•"/>
+            </a:pPr>
+            <a:r>
+              <a:rPr lang="en-US" sz="2800" dirty="0"/>
+              <a:t>Each Use extension method adds one or more middleware components to the request pipeline</a:t>
+            </a:r>
+          </a:p>
+          <a:p>
+            <a:pPr marL="457200" indent="-457200">
+              <a:buFont typeface="Arial" panose="020B0604020202020204" pitchFamily="34" charset="0"/>
+              <a:buChar char="•"/>
+            </a:pPr>
+            <a:endParaRPr lang="en-US" sz="2800" dirty="0"/>
+          </a:p>
+          <a:p>
+            <a:pPr marL="457200" indent="-457200">
+              <a:buFont typeface="Arial" panose="020B0604020202020204" pitchFamily="34" charset="0"/>
+              <a:buChar char="•"/>
+            </a:pPr>
+            <a:r>
+              <a:rPr lang="en-US" sz="2800" dirty="0"/>
+              <a:t>Middleware can invoke next component or short-circuit the chain</a:t>
+            </a:r>
+          </a:p>
+        </p:txBody>
+      </p:sp>
+    </p:spTree>
+    <p:extLst>
+      <p:ext uri="{BB962C8B-B14F-4D97-AF65-F5344CB8AC3E}">
+        <p14:creationId xmlns:p14="http://schemas.microsoft.com/office/powerpoint/2010/main" val="554625157"/>
+      </p:ext>
+    </p:extLst>
+  </p:cSld>
+  <p:clrMapOvr>
+    <a:masterClrMapping/>
+  </p:clrMapOvr>
+</p:sld>
+</file>
+
+<file path=ppt/slides/slide47.xml><?xml version="1.0" encoding="utf-8"?>
+<p:sld xmlns:a="http://schemas.openxmlformats.org/drawingml/2006/main" xmlns:r="http://schemas.openxmlformats.org/officeDocument/2006/relationships" xmlns:p="http://schemas.openxmlformats.org/presentationml/2006/main">
+  <p:cSld>
+    <p:bg>
+      <p:bgPr>
+        <a:gradFill>
+          <a:gsLst>
+            <a:gs pos="0">
+              <a:schemeClr val="accent1">
+                <a:lumMod val="5000"/>
+                <a:lumOff val="95000"/>
+              </a:schemeClr>
+            </a:gs>
+            <a:gs pos="42000">
+              <a:schemeClr val="accent1">
+                <a:lumMod val="45000"/>
+                <a:lumOff val="55000"/>
+              </a:schemeClr>
+            </a:gs>
+            <a:gs pos="83000">
+              <a:schemeClr val="accent1">
+                <a:lumMod val="45000"/>
+                <a:lumOff val="55000"/>
+              </a:schemeClr>
+            </a:gs>
+            <a:gs pos="100000">
+              <a:schemeClr val="accent1">
+                <a:lumMod val="30000"/>
+                <a:lumOff val="70000"/>
+              </a:schemeClr>
+            </a:gs>
+          </a:gsLst>
+          <a:lin ang="5400000" scaled="1"/>
+        </a:gradFill>
+        <a:effectLst/>
+      </p:bgPr>
+    </p:bg>
+    <p:spTree>
+      <p:nvGrpSpPr>
+        <p:cNvPr id="1" name=""/>
+        <p:cNvGrpSpPr/>
+        <p:nvPr/>
+      </p:nvGrpSpPr>
+      <p:grpSpPr>
+        <a:xfrm>
+          <a:off x="0" y="0"/>
+          <a:ext cx="0" cy="0"/>
+          <a:chOff x="0" y="0"/>
+          <a:chExt cx="0" cy="0"/>
+        </a:xfrm>
+      </p:grpSpPr>
+      <p:sp>
+        <p:nvSpPr>
+          <p:cNvPr id="2" name="Title 1"/>
+          <p:cNvSpPr>
+            <a:spLocks noGrp="1"/>
+          </p:cNvSpPr>
+          <p:nvPr>
+            <p:ph type="title"/>
+          </p:nvPr>
+        </p:nvSpPr>
+        <p:spPr>
+          <a:xfrm>
+            <a:off x="134816" y="0"/>
+            <a:ext cx="10515600" cy="1325563"/>
+          </a:xfrm>
+        </p:spPr>
+        <p:txBody>
+          <a:bodyPr/>
+          <a:lstStyle/>
+          <a:p>
+            <a:r>
+              <a:rPr lang="en-US" dirty="0"/>
+              <a:t>Configure</a:t>
+            </a:r>
+          </a:p>
+        </p:txBody>
+      </p:sp>
+      <p:sp>
+        <p:nvSpPr>
+          <p:cNvPr id="3" name="TextBox 2">
+            <a:extLst>
+              <a:ext uri="{FF2B5EF4-FFF2-40B4-BE49-F238E27FC236}">
+                <a16:creationId xmlns:a16="http://schemas.microsoft.com/office/drawing/2014/main" id="{ADDF9C7B-D1A4-43C4-8257-A0442BD6194E}"/>
+              </a:ext>
+            </a:extLst>
+          </p:cNvPr>
+          <p:cNvSpPr txBox="1"/>
+          <p:nvPr/>
+        </p:nvSpPr>
+        <p:spPr>
+          <a:xfrm>
+            <a:off x="228600" y="1325563"/>
+            <a:ext cx="11734799" cy="954107"/>
+          </a:xfrm>
+          <a:prstGeom prst="rect">
+            <a:avLst/>
+          </a:prstGeom>
+          <a:noFill/>
+        </p:spPr>
+        <p:txBody>
+          <a:bodyPr wrap="square" rtlCol="0">
+            <a:spAutoFit/>
+          </a:bodyPr>
+          <a:lstStyle/>
+          <a:p>
+            <a:pPr marL="457200" indent="-457200">
+              <a:buFont typeface="Arial" panose="020B0604020202020204" pitchFamily="34" charset="0"/>
+              <a:buChar char="•"/>
+            </a:pPr>
+            <a:r>
+              <a:rPr lang="en-US" sz="2800" dirty="0"/>
+              <a:t>Additional services (</a:t>
+            </a:r>
+            <a:r>
+              <a:rPr lang="en-US" sz="2800" dirty="0" err="1"/>
+              <a:t>IWebHostEnvironment</a:t>
+            </a:r>
+            <a:r>
+              <a:rPr lang="en-US" sz="2800" dirty="0"/>
+              <a:t>, </a:t>
+            </a:r>
+            <a:r>
+              <a:rPr lang="en-US" sz="2800" dirty="0" err="1"/>
+              <a:t>IloggerFactory</a:t>
+            </a:r>
+            <a:r>
+              <a:rPr lang="en-US" sz="2800" dirty="0"/>
+              <a:t>, etc.) can be specified in Configure method signature. They are injected if available:</a:t>
+            </a:r>
+          </a:p>
+        </p:txBody>
+      </p:sp>
+      <p:pic>
+        <p:nvPicPr>
+          <p:cNvPr id="5" name="Picture 4">
+            <a:extLst>
+              <a:ext uri="{FF2B5EF4-FFF2-40B4-BE49-F238E27FC236}">
+                <a16:creationId xmlns:a16="http://schemas.microsoft.com/office/drawing/2014/main" id="{45D63C86-B7D4-46AF-8339-80A7EA261B0F}"/>
+              </a:ext>
+            </a:extLst>
+          </p:cNvPr>
+          <p:cNvPicPr>
+            <a:picLocks noChangeAspect="1"/>
+          </p:cNvPicPr>
+          <p:nvPr/>
+        </p:nvPicPr>
+        <p:blipFill>
+          <a:blip r:embed="rId3"/>
+          <a:stretch>
+            <a:fillRect/>
+          </a:stretch>
+        </p:blipFill>
+        <p:spPr>
+          <a:xfrm>
+            <a:off x="410824" y="2431806"/>
+            <a:ext cx="11370352" cy="3945548"/>
+          </a:xfrm>
+          <a:prstGeom prst="rect">
+            <a:avLst/>
+          </a:prstGeom>
+        </p:spPr>
+      </p:pic>
+    </p:spTree>
+    <p:extLst>
+      <p:ext uri="{BB962C8B-B14F-4D97-AF65-F5344CB8AC3E}">
+        <p14:creationId xmlns:p14="http://schemas.microsoft.com/office/powerpoint/2010/main" val="190607960"/>
+      </p:ext>
+    </p:extLst>
+  </p:cSld>
+  <p:clrMapOvr>
+    <a:masterClrMapping/>
+  </p:clrMapOvr>
+</p:sld>
+</file>
+
+<file path=ppt/slides/slide48.xml><?xml version="1.0" encoding="utf-8"?>
+<p:sld xmlns:a="http://schemas.openxmlformats.org/drawingml/2006/main" xmlns:r="http://schemas.openxmlformats.org/officeDocument/2006/relationships" xmlns:p="http://schemas.openxmlformats.org/presentationml/2006/main">
+  <p:cSld>
+    <p:bg>
+      <p:bgPr>
+        <a:gradFill>
+          <a:gsLst>
+            <a:gs pos="0">
+              <a:schemeClr val="accent1">
+                <a:lumMod val="5000"/>
+                <a:lumOff val="95000"/>
+              </a:schemeClr>
+            </a:gs>
+            <a:gs pos="42000">
+              <a:schemeClr val="accent1">
+                <a:lumMod val="45000"/>
+                <a:lumOff val="55000"/>
+              </a:schemeClr>
+            </a:gs>
+            <a:gs pos="83000">
+              <a:schemeClr val="accent1">
+                <a:lumMod val="45000"/>
+                <a:lumOff val="55000"/>
+              </a:schemeClr>
+            </a:gs>
+            <a:gs pos="100000">
+              <a:schemeClr val="accent1">
+                <a:lumMod val="30000"/>
+                <a:lumOff val="70000"/>
+              </a:schemeClr>
+            </a:gs>
+          </a:gsLst>
+          <a:lin ang="5400000" scaled="1"/>
+        </a:gradFill>
+        <a:effectLst/>
+      </p:bgPr>
+    </p:bg>
+    <p:spTree>
+      <p:nvGrpSpPr>
+        <p:cNvPr id="1" name=""/>
+        <p:cNvGrpSpPr/>
+        <p:nvPr/>
+      </p:nvGrpSpPr>
+      <p:grpSpPr>
+        <a:xfrm>
+          <a:off x="0" y="0"/>
+          <a:ext cx="0" cy="0"/>
+          <a:chOff x="0" y="0"/>
+          <a:chExt cx="0" cy="0"/>
+        </a:xfrm>
+      </p:grpSpPr>
+      <p:sp>
+        <p:nvSpPr>
+          <p:cNvPr id="2" name="Title 1"/>
+          <p:cNvSpPr>
+            <a:spLocks noGrp="1"/>
+          </p:cNvSpPr>
+          <p:nvPr>
+            <p:ph type="title"/>
+          </p:nvPr>
+        </p:nvSpPr>
+        <p:spPr>
+          <a:xfrm>
+            <a:off x="134816" y="0"/>
+            <a:ext cx="10515600" cy="1325563"/>
+          </a:xfrm>
+        </p:spPr>
+        <p:txBody>
+          <a:bodyPr/>
+          <a:lstStyle/>
+          <a:p>
+            <a:r>
+              <a:rPr lang="en-US" dirty="0"/>
+              <a:t>Configure services without startup</a:t>
+            </a:r>
+          </a:p>
+        </p:txBody>
+      </p:sp>
+      <p:sp>
+        <p:nvSpPr>
+          <p:cNvPr id="3" name="TextBox 2">
+            <a:extLst>
+              <a:ext uri="{FF2B5EF4-FFF2-40B4-BE49-F238E27FC236}">
+                <a16:creationId xmlns:a16="http://schemas.microsoft.com/office/drawing/2014/main" id="{ADDF9C7B-D1A4-43C4-8257-A0442BD6194E}"/>
+              </a:ext>
+            </a:extLst>
+          </p:cNvPr>
+          <p:cNvSpPr txBox="1"/>
+          <p:nvPr/>
+        </p:nvSpPr>
+        <p:spPr>
+          <a:xfrm>
+            <a:off x="228600" y="1149717"/>
+            <a:ext cx="11734799" cy="954107"/>
+          </a:xfrm>
+          <a:prstGeom prst="rect">
+            <a:avLst/>
+          </a:prstGeom>
+          <a:noFill/>
+        </p:spPr>
+        <p:txBody>
+          <a:bodyPr wrap="square" rtlCol="0">
+            <a:spAutoFit/>
+          </a:bodyPr>
+          <a:lstStyle/>
+          <a:p>
+            <a:pPr marL="457200" indent="-457200">
+              <a:buFont typeface="Arial" panose="020B0604020202020204" pitchFamily="34" charset="0"/>
+              <a:buChar char="•"/>
+            </a:pPr>
+            <a:r>
+              <a:rPr lang="en-US" sz="2800" dirty="0"/>
+              <a:t>Multiple calls to </a:t>
+            </a:r>
+            <a:r>
+              <a:rPr lang="en-US" sz="2800" dirty="0" err="1"/>
+              <a:t>ConfigureServices</a:t>
+            </a:r>
+            <a:r>
+              <a:rPr lang="en-US" sz="2800" dirty="0"/>
+              <a:t> append to one another</a:t>
+            </a:r>
+          </a:p>
+          <a:p>
+            <a:pPr marL="457200" indent="-457200">
+              <a:buFont typeface="Arial" panose="020B0604020202020204" pitchFamily="34" charset="0"/>
+              <a:buChar char="•"/>
+            </a:pPr>
+            <a:r>
+              <a:rPr lang="en-US" sz="2800" dirty="0"/>
+              <a:t>Only last Configure call is used</a:t>
+            </a:r>
+          </a:p>
+        </p:txBody>
+      </p:sp>
+      <p:pic>
+        <p:nvPicPr>
+          <p:cNvPr id="4" name="Picture 3">
+            <a:extLst>
+              <a:ext uri="{FF2B5EF4-FFF2-40B4-BE49-F238E27FC236}">
+                <a16:creationId xmlns:a16="http://schemas.microsoft.com/office/drawing/2014/main" id="{E79E89BA-23B7-4738-BEEA-3007F557F203}"/>
+              </a:ext>
+            </a:extLst>
+          </p:cNvPr>
+          <p:cNvPicPr>
+            <a:picLocks noChangeAspect="1"/>
+          </p:cNvPicPr>
+          <p:nvPr/>
+        </p:nvPicPr>
+        <p:blipFill>
+          <a:blip r:embed="rId3"/>
+          <a:stretch>
+            <a:fillRect/>
+          </a:stretch>
+        </p:blipFill>
+        <p:spPr>
+          <a:xfrm>
+            <a:off x="1976621" y="2221055"/>
+            <a:ext cx="6831990" cy="4505726"/>
+          </a:xfrm>
+          <a:prstGeom prst="rect">
+            <a:avLst/>
+          </a:prstGeom>
+        </p:spPr>
+      </p:pic>
+    </p:spTree>
+    <p:extLst>
+      <p:ext uri="{BB962C8B-B14F-4D97-AF65-F5344CB8AC3E}">
+        <p14:creationId xmlns:p14="http://schemas.microsoft.com/office/powerpoint/2010/main" val="3873580"/>
+      </p:ext>
+    </p:extLst>
+  </p:cSld>
+  <p:clrMapOvr>
+    <a:masterClrMapping/>
+  </p:clrMapOvr>
+</p:sld>
+</file>
+
+<file path=ppt/slides/slide49.xml><?xml version="1.0" encoding="utf-8"?>
+<p:sld xmlns:a="http://schemas.openxmlformats.org/drawingml/2006/main" xmlns:r="http://schemas.openxmlformats.org/officeDocument/2006/relationships" xmlns:p="http://schemas.openxmlformats.org/presentationml/2006/main">
+  <p:cSld>
+    <p:bg>
+      <p:bgPr>
+        <a:gradFill>
+          <a:gsLst>
+            <a:gs pos="0">
+              <a:schemeClr val="accent1">
+                <a:lumMod val="5000"/>
+                <a:lumOff val="95000"/>
+              </a:schemeClr>
+            </a:gs>
+            <a:gs pos="42000">
+              <a:schemeClr val="accent1">
+                <a:lumMod val="45000"/>
+                <a:lumOff val="55000"/>
+              </a:schemeClr>
+            </a:gs>
+            <a:gs pos="83000">
+              <a:schemeClr val="accent1">
+                <a:lumMod val="45000"/>
+                <a:lumOff val="55000"/>
+              </a:schemeClr>
+            </a:gs>
+            <a:gs pos="100000">
+              <a:schemeClr val="accent1">
+                <a:lumMod val="30000"/>
+                <a:lumOff val="70000"/>
+              </a:schemeClr>
+            </a:gs>
+          </a:gsLst>
+          <a:lin ang="5400000" scaled="1"/>
+        </a:gradFill>
+        <a:effectLst/>
+      </p:bgPr>
+    </p:bg>
+    <p:spTree>
+      <p:nvGrpSpPr>
+        <p:cNvPr id="1" name=""/>
+        <p:cNvGrpSpPr/>
+        <p:nvPr/>
+      </p:nvGrpSpPr>
+      <p:grpSpPr>
+        <a:xfrm>
+          <a:off x="0" y="0"/>
+          <a:ext cx="0" cy="0"/>
+          <a:chOff x="0" y="0"/>
+          <a:chExt cx="0" cy="0"/>
+        </a:xfrm>
+      </p:grpSpPr>
+      <p:sp>
+        <p:nvSpPr>
+          <p:cNvPr id="2" name="Title 1"/>
+          <p:cNvSpPr>
+            <a:spLocks noGrp="1"/>
+          </p:cNvSpPr>
+          <p:nvPr>
+            <p:ph type="title"/>
+          </p:nvPr>
+        </p:nvSpPr>
+        <p:spPr>
+          <a:xfrm>
+            <a:off x="134816" y="0"/>
+            <a:ext cx="10515600" cy="1325563"/>
+          </a:xfrm>
+        </p:spPr>
+        <p:txBody>
+          <a:bodyPr/>
+          <a:lstStyle/>
+          <a:p>
+            <a:r>
+              <a:rPr lang="en-US" dirty="0"/>
+              <a:t>Configure services without startup</a:t>
+            </a:r>
+          </a:p>
+        </p:txBody>
+      </p:sp>
+      <p:pic>
+        <p:nvPicPr>
+          <p:cNvPr id="5" name="Picture 4">
+            <a:extLst>
+              <a:ext uri="{FF2B5EF4-FFF2-40B4-BE49-F238E27FC236}">
+                <a16:creationId xmlns:a16="http://schemas.microsoft.com/office/drawing/2014/main" id="{A3B3592C-6F19-43CB-96D9-5C34A3A23870}"/>
+              </a:ext>
+            </a:extLst>
+          </p:cNvPr>
+          <p:cNvPicPr>
+            <a:picLocks noChangeAspect="1"/>
+          </p:cNvPicPr>
+          <p:nvPr/>
+        </p:nvPicPr>
+        <p:blipFill>
+          <a:blip r:embed="rId3"/>
+          <a:stretch>
+            <a:fillRect/>
+          </a:stretch>
+        </p:blipFill>
+        <p:spPr>
+          <a:xfrm>
+            <a:off x="920242" y="1325563"/>
+            <a:ext cx="10351516" cy="5415206"/>
+          </a:xfrm>
+          <a:prstGeom prst="rect">
+            <a:avLst/>
+          </a:prstGeom>
+        </p:spPr>
+      </p:pic>
+    </p:spTree>
+    <p:extLst>
+      <p:ext uri="{BB962C8B-B14F-4D97-AF65-F5344CB8AC3E}">
+        <p14:creationId xmlns:p14="http://schemas.microsoft.com/office/powerpoint/2010/main" val="2007635387"/>
       </p:ext>
     </p:extLst>
   </p:cSld>
@@ -15725,6 +17318,482 @@
     <p:extLst>
       <p:ext uri="{BB962C8B-B14F-4D97-AF65-F5344CB8AC3E}">
         <p14:creationId xmlns:p14="http://schemas.microsoft.com/office/powerpoint/2010/main" val="1754374620"/>
+      </p:ext>
+    </p:extLst>
+  </p:cSld>
+  <p:clrMapOvr>
+    <a:masterClrMapping/>
+  </p:clrMapOvr>
+</p:sld>
+</file>
+
+<file path=ppt/slides/slide50.xml><?xml version="1.0" encoding="utf-8"?>
+<p:sld xmlns:a="http://schemas.openxmlformats.org/drawingml/2006/main" xmlns:r="http://schemas.openxmlformats.org/officeDocument/2006/relationships" xmlns:p="http://schemas.openxmlformats.org/presentationml/2006/main">
+  <p:cSld>
+    <p:bg>
+      <p:bgPr>
+        <a:gradFill>
+          <a:gsLst>
+            <a:gs pos="0">
+              <a:schemeClr val="accent1">
+                <a:lumMod val="5000"/>
+                <a:lumOff val="95000"/>
+              </a:schemeClr>
+            </a:gs>
+            <a:gs pos="42000">
+              <a:schemeClr val="accent1">
+                <a:lumMod val="45000"/>
+                <a:lumOff val="55000"/>
+              </a:schemeClr>
+            </a:gs>
+            <a:gs pos="83000">
+              <a:schemeClr val="accent1">
+                <a:lumMod val="45000"/>
+                <a:lumOff val="55000"/>
+              </a:schemeClr>
+            </a:gs>
+            <a:gs pos="100000">
+              <a:schemeClr val="accent1">
+                <a:lumMod val="30000"/>
+                <a:lumOff val="70000"/>
+              </a:schemeClr>
+            </a:gs>
+          </a:gsLst>
+          <a:lin ang="5400000" scaled="1"/>
+        </a:gradFill>
+        <a:effectLst/>
+      </p:bgPr>
+    </p:bg>
+    <p:spTree>
+      <p:nvGrpSpPr>
+        <p:cNvPr id="1" name=""/>
+        <p:cNvGrpSpPr/>
+        <p:nvPr/>
+      </p:nvGrpSpPr>
+      <p:grpSpPr>
+        <a:xfrm>
+          <a:off x="0" y="0"/>
+          <a:ext cx="0" cy="0"/>
+          <a:chOff x="0" y="0"/>
+          <a:chExt cx="0" cy="0"/>
+        </a:xfrm>
+      </p:grpSpPr>
+      <p:sp>
+        <p:nvSpPr>
+          <p:cNvPr id="2" name="Title 1"/>
+          <p:cNvSpPr>
+            <a:spLocks noGrp="1"/>
+          </p:cNvSpPr>
+          <p:nvPr>
+            <p:ph type="title"/>
+          </p:nvPr>
+        </p:nvSpPr>
+        <p:spPr>
+          <a:xfrm>
+            <a:off x="134816" y="0"/>
+            <a:ext cx="10515600" cy="1325563"/>
+          </a:xfrm>
+        </p:spPr>
+        <p:txBody>
+          <a:bodyPr/>
+          <a:lstStyle/>
+          <a:p>
+            <a:r>
+              <a:rPr lang="en-US" dirty="0"/>
+              <a:t>Startup filters</a:t>
+            </a:r>
+          </a:p>
+        </p:txBody>
+      </p:sp>
+      <p:sp>
+        <p:nvSpPr>
+          <p:cNvPr id="3" name="TextBox 2">
+            <a:extLst>
+              <a:ext uri="{FF2B5EF4-FFF2-40B4-BE49-F238E27FC236}">
+                <a16:creationId xmlns:a16="http://schemas.microsoft.com/office/drawing/2014/main" id="{9FB5CB53-2557-43CB-92D0-4CAF2D5C81B8}"/>
+              </a:ext>
+            </a:extLst>
+          </p:cNvPr>
+          <p:cNvSpPr txBox="1"/>
+          <p:nvPr/>
+        </p:nvSpPr>
+        <p:spPr>
+          <a:xfrm>
+            <a:off x="134815" y="1113693"/>
+            <a:ext cx="11787553" cy="1384995"/>
+          </a:xfrm>
+          <a:prstGeom prst="rect">
+            <a:avLst/>
+          </a:prstGeom>
+          <a:noFill/>
+        </p:spPr>
+        <p:txBody>
+          <a:bodyPr wrap="square" rtlCol="0">
+            <a:spAutoFit/>
+          </a:bodyPr>
+          <a:lstStyle/>
+          <a:p>
+            <a:pPr marL="342900" indent="-342900">
+              <a:buFont typeface="Arial" panose="020B0604020202020204" pitchFamily="34" charset="0"/>
+              <a:buChar char="•"/>
+            </a:pPr>
+            <a:r>
+              <a:rPr lang="en-US" sz="2800" dirty="0"/>
+              <a:t>Configure middleware at the beginning or end of Configure pipeline without explicit call to Use{Middleware}</a:t>
+            </a:r>
+          </a:p>
+          <a:p>
+            <a:pPr marL="342900" indent="-342900">
+              <a:buFont typeface="Arial" panose="020B0604020202020204" pitchFamily="34" charset="0"/>
+              <a:buChar char="•"/>
+            </a:pPr>
+            <a:r>
+              <a:rPr lang="en-US" sz="2800" dirty="0"/>
+              <a:t>Create pipeline of Configure methods</a:t>
+            </a:r>
+          </a:p>
+        </p:txBody>
+      </p:sp>
+      <p:pic>
+        <p:nvPicPr>
+          <p:cNvPr id="4" name="Picture 3">
+            <a:extLst>
+              <a:ext uri="{FF2B5EF4-FFF2-40B4-BE49-F238E27FC236}">
+                <a16:creationId xmlns:a16="http://schemas.microsoft.com/office/drawing/2014/main" id="{634E1B39-17F6-47AD-975D-14652F372225}"/>
+              </a:ext>
+            </a:extLst>
+          </p:cNvPr>
+          <p:cNvPicPr>
+            <a:picLocks noChangeAspect="1"/>
+          </p:cNvPicPr>
+          <p:nvPr/>
+        </p:nvPicPr>
+        <p:blipFill>
+          <a:blip r:embed="rId3"/>
+          <a:stretch>
+            <a:fillRect/>
+          </a:stretch>
+        </p:blipFill>
+        <p:spPr>
+          <a:xfrm>
+            <a:off x="505545" y="2957878"/>
+            <a:ext cx="11180910" cy="3313968"/>
+          </a:xfrm>
+          <a:prstGeom prst="rect">
+            <a:avLst/>
+          </a:prstGeom>
+        </p:spPr>
+      </p:pic>
+    </p:spTree>
+    <p:extLst>
+      <p:ext uri="{BB962C8B-B14F-4D97-AF65-F5344CB8AC3E}">
+        <p14:creationId xmlns:p14="http://schemas.microsoft.com/office/powerpoint/2010/main" val="3829159527"/>
+      </p:ext>
+    </p:extLst>
+  </p:cSld>
+  <p:clrMapOvr>
+    <a:masterClrMapping/>
+  </p:clrMapOvr>
+</p:sld>
+</file>
+
+<file path=ppt/slides/slide51.xml><?xml version="1.0" encoding="utf-8"?>
+<p:sld xmlns:a="http://schemas.openxmlformats.org/drawingml/2006/main" xmlns:r="http://schemas.openxmlformats.org/officeDocument/2006/relationships" xmlns:p="http://schemas.openxmlformats.org/presentationml/2006/main">
+  <p:cSld>
+    <p:bg>
+      <p:bgPr>
+        <a:gradFill>
+          <a:gsLst>
+            <a:gs pos="0">
+              <a:schemeClr val="accent1">
+                <a:lumMod val="5000"/>
+                <a:lumOff val="95000"/>
+              </a:schemeClr>
+            </a:gs>
+            <a:gs pos="42000">
+              <a:schemeClr val="accent1">
+                <a:lumMod val="45000"/>
+                <a:lumOff val="55000"/>
+              </a:schemeClr>
+            </a:gs>
+            <a:gs pos="83000">
+              <a:schemeClr val="accent1">
+                <a:lumMod val="45000"/>
+                <a:lumOff val="55000"/>
+              </a:schemeClr>
+            </a:gs>
+            <a:gs pos="100000">
+              <a:schemeClr val="accent1">
+                <a:lumMod val="30000"/>
+                <a:lumOff val="70000"/>
+              </a:schemeClr>
+            </a:gs>
+          </a:gsLst>
+          <a:lin ang="5400000" scaled="1"/>
+        </a:gradFill>
+        <a:effectLst/>
+      </p:bgPr>
+    </p:bg>
+    <p:spTree>
+      <p:nvGrpSpPr>
+        <p:cNvPr id="1" name=""/>
+        <p:cNvGrpSpPr/>
+        <p:nvPr/>
+      </p:nvGrpSpPr>
+      <p:grpSpPr>
+        <a:xfrm>
+          <a:off x="0" y="0"/>
+          <a:ext cx="0" cy="0"/>
+          <a:chOff x="0" y="0"/>
+          <a:chExt cx="0" cy="0"/>
+        </a:xfrm>
+      </p:grpSpPr>
+      <p:sp>
+        <p:nvSpPr>
+          <p:cNvPr id="2" name="Title 1"/>
+          <p:cNvSpPr>
+            <a:spLocks noGrp="1"/>
+          </p:cNvSpPr>
+          <p:nvPr>
+            <p:ph type="title"/>
+          </p:nvPr>
+        </p:nvSpPr>
+        <p:spPr>
+          <a:xfrm>
+            <a:off x="134816" y="0"/>
+            <a:ext cx="10515600" cy="1325563"/>
+          </a:xfrm>
+        </p:spPr>
+        <p:txBody>
+          <a:bodyPr/>
+          <a:lstStyle/>
+          <a:p>
+            <a:r>
+              <a:rPr lang="en-US" dirty="0"/>
+              <a:t>Startup filters</a:t>
+            </a:r>
+          </a:p>
+        </p:txBody>
+      </p:sp>
+      <p:sp>
+        <p:nvSpPr>
+          <p:cNvPr id="3" name="TextBox 2">
+            <a:extLst>
+              <a:ext uri="{FF2B5EF4-FFF2-40B4-BE49-F238E27FC236}">
+                <a16:creationId xmlns:a16="http://schemas.microsoft.com/office/drawing/2014/main" id="{9FB5CB53-2557-43CB-92D0-4CAF2D5C81B8}"/>
+              </a:ext>
+            </a:extLst>
+          </p:cNvPr>
+          <p:cNvSpPr txBox="1"/>
+          <p:nvPr/>
+        </p:nvSpPr>
+        <p:spPr>
+          <a:xfrm>
+            <a:off x="134815" y="1113693"/>
+            <a:ext cx="11787553" cy="523220"/>
+          </a:xfrm>
+          <a:prstGeom prst="rect">
+            <a:avLst/>
+          </a:prstGeom>
+          <a:noFill/>
+        </p:spPr>
+        <p:txBody>
+          <a:bodyPr wrap="square" rtlCol="0">
+            <a:spAutoFit/>
+          </a:bodyPr>
+          <a:lstStyle/>
+          <a:p>
+            <a:pPr marL="342900" indent="-342900">
+              <a:buFont typeface="Arial" panose="020B0604020202020204" pitchFamily="34" charset="0"/>
+              <a:buChar char="•"/>
+            </a:pPr>
+            <a:r>
+              <a:rPr lang="en-US" sz="2800" dirty="0"/>
+              <a:t>Registered in the service container in </a:t>
+            </a:r>
+            <a:r>
+              <a:rPr lang="en-US" sz="2800" dirty="0" err="1"/>
+              <a:t>ConfigureServices</a:t>
+            </a:r>
+            <a:r>
+              <a:rPr lang="en-US" sz="2800" dirty="0"/>
+              <a:t>:</a:t>
+            </a:r>
+          </a:p>
+        </p:txBody>
+      </p:sp>
+      <p:pic>
+        <p:nvPicPr>
+          <p:cNvPr id="5" name="Picture 4">
+            <a:extLst>
+              <a:ext uri="{FF2B5EF4-FFF2-40B4-BE49-F238E27FC236}">
+                <a16:creationId xmlns:a16="http://schemas.microsoft.com/office/drawing/2014/main" id="{60CA9013-72CB-49F5-85E0-824C2B6833CA}"/>
+              </a:ext>
+            </a:extLst>
+          </p:cNvPr>
+          <p:cNvPicPr>
+            <a:picLocks noChangeAspect="1"/>
+          </p:cNvPicPr>
+          <p:nvPr/>
+        </p:nvPicPr>
+        <p:blipFill>
+          <a:blip r:embed="rId3"/>
+          <a:stretch>
+            <a:fillRect/>
+          </a:stretch>
+        </p:blipFill>
+        <p:spPr>
+          <a:xfrm>
+            <a:off x="299628" y="1962516"/>
+            <a:ext cx="11592744" cy="4180376"/>
+          </a:xfrm>
+          <a:prstGeom prst="rect">
+            <a:avLst/>
+          </a:prstGeom>
+        </p:spPr>
+      </p:pic>
+    </p:spTree>
+    <p:extLst>
+      <p:ext uri="{BB962C8B-B14F-4D97-AF65-F5344CB8AC3E}">
+        <p14:creationId xmlns:p14="http://schemas.microsoft.com/office/powerpoint/2010/main" val="2135436525"/>
+      </p:ext>
+    </p:extLst>
+  </p:cSld>
+  <p:clrMapOvr>
+    <a:masterClrMapping/>
+  </p:clrMapOvr>
+</p:sld>
+</file>
+
+<file path=ppt/slides/slide52.xml><?xml version="1.0" encoding="utf-8"?>
+<p:sld xmlns:a="http://schemas.openxmlformats.org/drawingml/2006/main" xmlns:r="http://schemas.openxmlformats.org/officeDocument/2006/relationships" xmlns:p="http://schemas.openxmlformats.org/presentationml/2006/main">
+  <p:cSld>
+    <p:bg>
+      <p:bgPr>
+        <a:gradFill>
+          <a:gsLst>
+            <a:gs pos="0">
+              <a:schemeClr val="accent1">
+                <a:lumMod val="5000"/>
+                <a:lumOff val="95000"/>
+              </a:schemeClr>
+            </a:gs>
+            <a:gs pos="42000">
+              <a:schemeClr val="accent1">
+                <a:lumMod val="45000"/>
+                <a:lumOff val="55000"/>
+              </a:schemeClr>
+            </a:gs>
+            <a:gs pos="83000">
+              <a:schemeClr val="accent1">
+                <a:lumMod val="45000"/>
+                <a:lumOff val="55000"/>
+              </a:schemeClr>
+            </a:gs>
+            <a:gs pos="100000">
+              <a:schemeClr val="accent1">
+                <a:lumMod val="30000"/>
+                <a:lumOff val="70000"/>
+              </a:schemeClr>
+            </a:gs>
+          </a:gsLst>
+          <a:lin ang="5400000" scaled="1"/>
+        </a:gradFill>
+        <a:effectLst/>
+      </p:bgPr>
+    </p:bg>
+    <p:spTree>
+      <p:nvGrpSpPr>
+        <p:cNvPr id="1" name=""/>
+        <p:cNvGrpSpPr/>
+        <p:nvPr/>
+      </p:nvGrpSpPr>
+      <p:grpSpPr>
+        <a:xfrm>
+          <a:off x="0" y="0"/>
+          <a:ext cx="0" cy="0"/>
+          <a:chOff x="0" y="0"/>
+          <a:chExt cx="0" cy="0"/>
+        </a:xfrm>
+      </p:grpSpPr>
+      <p:sp>
+        <p:nvSpPr>
+          <p:cNvPr id="2" name="Title 1"/>
+          <p:cNvSpPr>
+            <a:spLocks noGrp="1"/>
+          </p:cNvSpPr>
+          <p:nvPr>
+            <p:ph type="title"/>
+          </p:nvPr>
+        </p:nvSpPr>
+        <p:spPr>
+          <a:xfrm>
+            <a:off x="723130" y="784994"/>
+            <a:ext cx="10515600" cy="4689683"/>
+          </a:xfrm>
+        </p:spPr>
+        <p:txBody>
+          <a:bodyPr>
+            <a:normAutofit/>
+          </a:bodyPr>
+          <a:lstStyle/>
+          <a:p>
+            <a:pPr algn="ctr"/>
+            <a:r>
+              <a:rPr lang="en-US" dirty="0"/>
+              <a:t>Thanks for attention</a:t>
+            </a:r>
+            <a:br>
+              <a:rPr lang="en-US" dirty="0"/>
+            </a:br>
+            <a:br>
+              <a:rPr lang="en-US" dirty="0"/>
+            </a:br>
+            <a:r>
+              <a:rPr lang="en-US" dirty="0"/>
+              <a:t>Evgeniy Pilyaev</a:t>
+            </a:r>
+            <a:br>
+              <a:rPr lang="en-US" dirty="0"/>
+            </a:br>
+            <a:br>
+              <a:rPr lang="en-US" dirty="0"/>
+            </a:br>
+            <a:r>
+              <a:rPr lang="en-US" dirty="0">
+                <a:hlinkClick r:id="rId3"/>
+              </a:rPr>
+              <a:t>https://github.com/EPilyaev/ASPNetCoreMVC</a:t>
+            </a:r>
+            <a:br>
+              <a:rPr lang="en-US" dirty="0"/>
+            </a:br>
+            <a:br>
+              <a:rPr lang="en-US" dirty="0"/>
+            </a:br>
+            <a:r>
+              <a:rPr lang="en-US" dirty="0"/>
+              <a:t>(</a:t>
+            </a:r>
+            <a:r>
+              <a:rPr lang="en-US" dirty="0" err="1"/>
+              <a:t>Host&amp;Startup</a:t>
+            </a:r>
+            <a:r>
+              <a:rPr lang="en-US"/>
+              <a:t> presentation</a:t>
+            </a:r>
+            <a:r>
+              <a:rPr lang="en-US" dirty="0"/>
+              <a:t>)</a:t>
+            </a:r>
+          </a:p>
+        </p:txBody>
+      </p:sp>
+    </p:spTree>
+    <p:extLst>
+      <p:ext uri="{BB962C8B-B14F-4D97-AF65-F5344CB8AC3E}">
+        <p14:creationId xmlns:p14="http://schemas.microsoft.com/office/powerpoint/2010/main" val="979259589"/>
       </p:ext>
     </p:extLst>
   </p:cSld>

--- a/Host&Startup.pptx
+++ b/Host&Startup.pptx
@@ -5,7 +5,7 @@
     <p:sldMasterId id="2147483648" r:id="rId1"/>
   </p:sldMasterIdLst>
   <p:notesMasterIdLst>
-    <p:notesMasterId r:id="rId54"/>
+    <p:notesMasterId r:id="rId53"/>
   </p:notesMasterIdLst>
   <p:sldIdLst>
     <p:sldId id="256" r:id="rId2"/>
@@ -53,13 +53,12 @@
     <p:sldId id="371" r:id="rId44"/>
     <p:sldId id="372" r:id="rId45"/>
     <p:sldId id="373" r:id="rId46"/>
-    <p:sldId id="374" r:id="rId47"/>
-    <p:sldId id="375" r:id="rId48"/>
-    <p:sldId id="376" r:id="rId49"/>
-    <p:sldId id="377" r:id="rId50"/>
-    <p:sldId id="378" r:id="rId51"/>
-    <p:sldId id="379" r:id="rId52"/>
-    <p:sldId id="330" r:id="rId53"/>
+    <p:sldId id="375" r:id="rId47"/>
+    <p:sldId id="376" r:id="rId48"/>
+    <p:sldId id="377" r:id="rId49"/>
+    <p:sldId id="378" r:id="rId50"/>
+    <p:sldId id="379" r:id="rId51"/>
+    <p:sldId id="330" r:id="rId52"/>
   </p:sldIdLst>
   <p:sldSz cx="12192000" cy="6858000"/>
   <p:notesSz cx="6858000" cy="9144000"/>
@@ -3851,6 +3850,90 @@
           <a:bodyPr/>
           <a:lstStyle/>
           <a:p>
+            <a:r>
+              <a:rPr lang="en-US" sz="1200" b="0" i="0" kern="1200" dirty="0">
+                <a:solidFill>
+                  <a:schemeClr val="tx1"/>
+                </a:solidFill>
+                <a:effectLst/>
+                <a:latin typeface="+mn-lt"/>
+                <a:ea typeface="+mn-ea"/>
+                <a:cs typeface="+mn-cs"/>
+              </a:rPr>
+              <a:t>Configure and </a:t>
+            </a:r>
+            <a:r>
+              <a:rPr lang="en-US" sz="1200" b="0" i="0" kern="1200" dirty="0" err="1">
+                <a:solidFill>
+                  <a:schemeClr val="tx1"/>
+                </a:solidFill>
+                <a:effectLst/>
+                <a:latin typeface="+mn-lt"/>
+                <a:ea typeface="+mn-ea"/>
+                <a:cs typeface="+mn-cs"/>
+              </a:rPr>
+              <a:t>ConfigureServices</a:t>
+            </a:r>
+            <a:r>
+              <a:rPr lang="en-US" sz="1200" b="0" i="0" kern="1200" dirty="0">
+                <a:solidFill>
+                  <a:schemeClr val="tx1"/>
+                </a:solidFill>
+                <a:effectLst/>
+                <a:latin typeface="+mn-lt"/>
+                <a:ea typeface="+mn-ea"/>
+                <a:cs typeface="+mn-cs"/>
+              </a:rPr>
+              <a:t> support environment-specific versions of the form Configure&lt;</a:t>
+            </a:r>
+            <a:r>
+              <a:rPr lang="en-US" sz="1200" b="0" i="0" kern="1200" dirty="0" err="1">
+                <a:solidFill>
+                  <a:schemeClr val="tx1"/>
+                </a:solidFill>
+                <a:effectLst/>
+                <a:latin typeface="+mn-lt"/>
+                <a:ea typeface="+mn-ea"/>
+                <a:cs typeface="+mn-cs"/>
+              </a:rPr>
+              <a:t>EnvironmentName</a:t>
+            </a:r>
+            <a:r>
+              <a:rPr lang="en-US" sz="1200" b="0" i="0" kern="1200" dirty="0">
+                <a:solidFill>
+                  <a:schemeClr val="tx1"/>
+                </a:solidFill>
+                <a:effectLst/>
+                <a:latin typeface="+mn-lt"/>
+                <a:ea typeface="+mn-ea"/>
+                <a:cs typeface="+mn-cs"/>
+              </a:rPr>
+              <a:t>&gt; and Configure&lt;</a:t>
+            </a:r>
+            <a:r>
+              <a:rPr lang="en-US" sz="1200" b="0" i="0" kern="1200" dirty="0" err="1">
+                <a:solidFill>
+                  <a:schemeClr val="tx1"/>
+                </a:solidFill>
+                <a:effectLst/>
+                <a:latin typeface="+mn-lt"/>
+                <a:ea typeface="+mn-ea"/>
+                <a:cs typeface="+mn-cs"/>
+              </a:rPr>
+              <a:t>EnvironmentName</a:t>
+            </a:r>
+            <a:r>
+              <a:rPr lang="en-US" sz="1200" b="0" i="0" kern="1200" dirty="0">
+                <a:solidFill>
+                  <a:schemeClr val="tx1"/>
+                </a:solidFill>
+                <a:effectLst/>
+                <a:latin typeface="+mn-lt"/>
+                <a:ea typeface="+mn-ea"/>
+                <a:cs typeface="+mn-cs"/>
+              </a:rPr>
+              <a:t>&gt;Services. </a:t>
+            </a:r>
             <a:endParaRPr lang="ru-RU" sz="1200" b="0" i="0" kern="1200" dirty="0">
               <a:solidFill>
                 <a:schemeClr val="tx1"/>
@@ -4446,7 +4529,7 @@
     </p:spTree>
     <p:extLst>
       <p:ext uri="{BB962C8B-B14F-4D97-AF65-F5344CB8AC3E}">
-        <p14:creationId xmlns:p14="http://schemas.microsoft.com/office/powerpoint/2010/main" val="1710255533"/>
+        <p14:creationId xmlns:p14="http://schemas.microsoft.com/office/powerpoint/2010/main" val="2099276035"/>
       </p:ext>
     </p:extLst>
   </p:cSld>
@@ -4538,7 +4621,7 @@
     </p:spTree>
     <p:extLst>
       <p:ext uri="{BB962C8B-B14F-4D97-AF65-F5344CB8AC3E}">
-        <p14:creationId xmlns:p14="http://schemas.microsoft.com/office/powerpoint/2010/main" val="2099276035"/>
+        <p14:creationId xmlns:p14="http://schemas.microsoft.com/office/powerpoint/2010/main" val="1421792015"/>
       </p:ext>
     </p:extLst>
   </p:cSld>
@@ -4630,7 +4713,7 @@
     </p:spTree>
     <p:extLst>
       <p:ext uri="{BB962C8B-B14F-4D97-AF65-F5344CB8AC3E}">
-        <p14:creationId xmlns:p14="http://schemas.microsoft.com/office/powerpoint/2010/main" val="1421792015"/>
+        <p14:creationId xmlns:p14="http://schemas.microsoft.com/office/powerpoint/2010/main" val="972664480"/>
       </p:ext>
     </p:extLst>
   </p:cSld>
@@ -4722,7 +4805,7 @@
     </p:spTree>
     <p:extLst>
       <p:ext uri="{BB962C8B-B14F-4D97-AF65-F5344CB8AC3E}">
-        <p14:creationId xmlns:p14="http://schemas.microsoft.com/office/powerpoint/2010/main" val="972664480"/>
+        <p14:creationId xmlns:p14="http://schemas.microsoft.com/office/powerpoint/2010/main" val="456998555"/>
       </p:ext>
     </p:extLst>
   </p:cSld>
@@ -4776,6 +4859,215 @@
           <a:bodyPr/>
           <a:lstStyle/>
           <a:p>
+            <a:r>
+              <a:rPr lang="en-US" sz="1200" b="0" i="0" kern="1200" dirty="0">
+                <a:solidFill>
+                  <a:schemeClr val="tx1"/>
+                </a:solidFill>
+                <a:effectLst/>
+                <a:latin typeface="+mn-lt"/>
+                <a:ea typeface="+mn-ea"/>
+                <a:cs typeface="+mn-cs"/>
+              </a:rPr>
+              <a:t>Order does matter.</a:t>
+            </a:r>
+          </a:p>
+          <a:p>
+            <a:r>
+              <a:rPr lang="en-US" dirty="0"/>
+              <a:t>Order </a:t>
+            </a:r>
+            <a:r>
+              <a:rPr lang="en-US" dirty="0" err="1"/>
+              <a:t>IStartupFilter</a:t>
+            </a:r>
+            <a:r>
+              <a:rPr lang="en-US" sz="1200" b="0" i="0" kern="1200" dirty="0">
+                <a:solidFill>
+                  <a:schemeClr val="tx1"/>
+                </a:solidFill>
+                <a:effectLst/>
+                <a:latin typeface="+mn-lt"/>
+                <a:ea typeface="+mn-ea"/>
+                <a:cs typeface="+mn-cs"/>
+              </a:rPr>
+              <a:t> service registrations to match the order that their </a:t>
+            </a:r>
+            <a:r>
+              <a:rPr lang="en-US" sz="1200" b="0" i="0" kern="1200" dirty="0" err="1">
+                <a:solidFill>
+                  <a:schemeClr val="tx1"/>
+                </a:solidFill>
+                <a:effectLst/>
+                <a:latin typeface="+mn-lt"/>
+                <a:ea typeface="+mn-ea"/>
+                <a:cs typeface="+mn-cs"/>
+              </a:rPr>
+              <a:t>middlewares</a:t>
+            </a:r>
+            <a:r>
+              <a:rPr lang="en-US" sz="1200" b="0" i="0" kern="1200" dirty="0">
+                <a:solidFill>
+                  <a:schemeClr val="tx1"/>
+                </a:solidFill>
+                <a:effectLst/>
+                <a:latin typeface="+mn-lt"/>
+                <a:ea typeface="+mn-ea"/>
+                <a:cs typeface="+mn-cs"/>
+              </a:rPr>
+              <a:t> should run.</a:t>
+            </a:r>
+          </a:p>
+          <a:p>
+            <a:endParaRPr lang="en-US" sz="1200" b="0" i="0" kern="1200" dirty="0">
+              <a:solidFill>
+                <a:schemeClr val="tx1"/>
+              </a:solidFill>
+              <a:effectLst/>
+              <a:latin typeface="+mn-lt"/>
+              <a:ea typeface="+mn-ea"/>
+              <a:cs typeface="+mn-cs"/>
+            </a:endParaRPr>
+          </a:p>
+          <a:p>
+            <a:r>
+              <a:rPr lang="en-US" sz="1200" b="0" i="0" kern="1200" dirty="0">
+                <a:solidFill>
+                  <a:schemeClr val="tx1"/>
+                </a:solidFill>
+                <a:effectLst/>
+                <a:latin typeface="+mn-lt"/>
+                <a:ea typeface="+mn-ea"/>
+                <a:cs typeface="+mn-cs"/>
+              </a:rPr>
+              <a:t>Libraries may add middleware with one or more </a:t>
+            </a:r>
+            <a:r>
+              <a:rPr lang="en-US" sz="1200" b="0" i="0" kern="1200" dirty="0" err="1">
+                <a:solidFill>
+                  <a:schemeClr val="tx1"/>
+                </a:solidFill>
+                <a:effectLst/>
+                <a:latin typeface="+mn-lt"/>
+                <a:ea typeface="+mn-ea"/>
+                <a:cs typeface="+mn-cs"/>
+              </a:rPr>
+              <a:t>IStartupFilter</a:t>
+            </a:r>
+            <a:r>
+              <a:rPr lang="en-US" sz="1200" b="0" i="0" kern="1200" dirty="0">
+                <a:solidFill>
+                  <a:schemeClr val="tx1"/>
+                </a:solidFill>
+                <a:effectLst/>
+                <a:latin typeface="+mn-lt"/>
+                <a:ea typeface="+mn-ea"/>
+                <a:cs typeface="+mn-cs"/>
+              </a:rPr>
+              <a:t> implementations that run before or after other app middleware registered with </a:t>
+            </a:r>
+            <a:r>
+              <a:rPr lang="en-US" sz="1200" b="0" i="0" kern="1200" dirty="0" err="1">
+                <a:solidFill>
+                  <a:schemeClr val="tx1"/>
+                </a:solidFill>
+                <a:effectLst/>
+                <a:latin typeface="+mn-lt"/>
+                <a:ea typeface="+mn-ea"/>
+                <a:cs typeface="+mn-cs"/>
+              </a:rPr>
+              <a:t>IStartupFilter</a:t>
+            </a:r>
+            <a:r>
+              <a:rPr lang="en-US" sz="1200" b="0" i="0" kern="1200" dirty="0">
+                <a:solidFill>
+                  <a:schemeClr val="tx1"/>
+                </a:solidFill>
+                <a:effectLst/>
+                <a:latin typeface="+mn-lt"/>
+                <a:ea typeface="+mn-ea"/>
+                <a:cs typeface="+mn-cs"/>
+              </a:rPr>
+              <a:t>. To invoke an </a:t>
+            </a:r>
+            <a:r>
+              <a:rPr lang="en-US" sz="1200" b="0" i="0" kern="1200" dirty="0" err="1">
+                <a:solidFill>
+                  <a:schemeClr val="tx1"/>
+                </a:solidFill>
+                <a:effectLst/>
+                <a:latin typeface="+mn-lt"/>
+                <a:ea typeface="+mn-ea"/>
+                <a:cs typeface="+mn-cs"/>
+              </a:rPr>
+              <a:t>IStartupFilter</a:t>
+            </a:r>
+            <a:r>
+              <a:rPr lang="en-US" sz="1200" b="0" i="0" kern="1200" dirty="0">
+                <a:solidFill>
+                  <a:schemeClr val="tx1"/>
+                </a:solidFill>
+                <a:effectLst/>
+                <a:latin typeface="+mn-lt"/>
+                <a:ea typeface="+mn-ea"/>
+                <a:cs typeface="+mn-cs"/>
+              </a:rPr>
+              <a:t> middleware before a middleware added by a library's </a:t>
+            </a:r>
+            <a:r>
+              <a:rPr lang="en-US" sz="1200" b="0" i="0" kern="1200" dirty="0" err="1">
+                <a:solidFill>
+                  <a:schemeClr val="tx1"/>
+                </a:solidFill>
+                <a:effectLst/>
+                <a:latin typeface="+mn-lt"/>
+                <a:ea typeface="+mn-ea"/>
+                <a:cs typeface="+mn-cs"/>
+              </a:rPr>
+              <a:t>IStartupFilter</a:t>
+            </a:r>
+            <a:r>
+              <a:rPr lang="en-US" sz="1200" b="0" i="0" kern="1200" dirty="0">
+                <a:solidFill>
+                  <a:schemeClr val="tx1"/>
+                </a:solidFill>
+                <a:effectLst/>
+                <a:latin typeface="+mn-lt"/>
+                <a:ea typeface="+mn-ea"/>
+                <a:cs typeface="+mn-cs"/>
+              </a:rPr>
+              <a:t>:</a:t>
+            </a:r>
+          </a:p>
+          <a:p>
+            <a:r>
+              <a:rPr lang="en-US" sz="1200" b="0" i="0" kern="1200" dirty="0">
+                <a:solidFill>
+                  <a:schemeClr val="tx1"/>
+                </a:solidFill>
+                <a:effectLst/>
+                <a:latin typeface="+mn-lt"/>
+                <a:ea typeface="+mn-ea"/>
+                <a:cs typeface="+mn-cs"/>
+              </a:rPr>
+              <a:t>Position the service registration before the library is added to the service container.</a:t>
+            </a:r>
+          </a:p>
+          <a:p>
+            <a:r>
+              <a:rPr lang="en-US" sz="1200" b="0" i="0" kern="1200" dirty="0">
+                <a:solidFill>
+                  <a:schemeClr val="tx1"/>
+                </a:solidFill>
+                <a:effectLst/>
+                <a:latin typeface="+mn-lt"/>
+                <a:ea typeface="+mn-ea"/>
+                <a:cs typeface="+mn-cs"/>
+              </a:rPr>
+              <a:t>To invoke afterward, position the service registration after the library is added.</a:t>
+            </a:r>
+          </a:p>
+          <a:p>
             <a:endParaRPr lang="ru-RU" sz="1200" b="0" i="0" kern="1200" dirty="0">
               <a:solidFill>
                 <a:schemeClr val="tx1"/>
@@ -4814,7 +5106,7 @@
     </p:spTree>
     <p:extLst>
       <p:ext uri="{BB962C8B-B14F-4D97-AF65-F5344CB8AC3E}">
-        <p14:creationId xmlns:p14="http://schemas.microsoft.com/office/powerpoint/2010/main" val="456998555"/>
+        <p14:creationId xmlns:p14="http://schemas.microsoft.com/office/powerpoint/2010/main" val="2038473483"/>
       </p:ext>
     </p:extLst>
   </p:cSld>
@@ -4868,224 +5160,7 @@
           <a:bodyPr/>
           <a:lstStyle/>
           <a:p>
-            <a:r>
-              <a:rPr lang="en-US" sz="1200" b="0" i="0" kern="1200" dirty="0">
-                <a:solidFill>
-                  <a:schemeClr val="tx1"/>
-                </a:solidFill>
-                <a:effectLst/>
-                <a:latin typeface="+mn-lt"/>
-                <a:ea typeface="+mn-ea"/>
-                <a:cs typeface="+mn-cs"/>
-              </a:rPr>
-              <a:t>Order does matter.</a:t>
-            </a:r>
-          </a:p>
-          <a:p>
-            <a:r>
-              <a:rPr lang="en-US" dirty="0"/>
-              <a:t>Order </a:t>
-            </a:r>
-            <a:r>
-              <a:rPr lang="en-US" dirty="0" err="1"/>
-              <a:t>IStartupFilter</a:t>
-            </a:r>
-            <a:r>
-              <a:rPr lang="en-US" sz="1200" b="0" i="0" kern="1200" dirty="0">
-                <a:solidFill>
-                  <a:schemeClr val="tx1"/>
-                </a:solidFill>
-                <a:effectLst/>
-                <a:latin typeface="+mn-lt"/>
-                <a:ea typeface="+mn-ea"/>
-                <a:cs typeface="+mn-cs"/>
-              </a:rPr>
-              <a:t> service registrations to match the order that their </a:t>
-            </a:r>
-            <a:r>
-              <a:rPr lang="en-US" sz="1200" b="0" i="0" kern="1200" dirty="0" err="1">
-                <a:solidFill>
-                  <a:schemeClr val="tx1"/>
-                </a:solidFill>
-                <a:effectLst/>
-                <a:latin typeface="+mn-lt"/>
-                <a:ea typeface="+mn-ea"/>
-                <a:cs typeface="+mn-cs"/>
-              </a:rPr>
-              <a:t>middlewares</a:t>
-            </a:r>
-            <a:r>
-              <a:rPr lang="en-US" sz="1200" b="0" i="0" kern="1200" dirty="0">
-                <a:solidFill>
-                  <a:schemeClr val="tx1"/>
-                </a:solidFill>
-                <a:effectLst/>
-                <a:latin typeface="+mn-lt"/>
-                <a:ea typeface="+mn-ea"/>
-                <a:cs typeface="+mn-cs"/>
-              </a:rPr>
-              <a:t> should run.</a:t>
-            </a:r>
-          </a:p>
-          <a:p>
-            <a:endParaRPr lang="en-US" sz="1200" b="0" i="0" kern="1200" dirty="0">
-              <a:solidFill>
-                <a:schemeClr val="tx1"/>
-              </a:solidFill>
-              <a:effectLst/>
-              <a:latin typeface="+mn-lt"/>
-              <a:ea typeface="+mn-ea"/>
-              <a:cs typeface="+mn-cs"/>
-            </a:endParaRPr>
-          </a:p>
-          <a:p>
-            <a:r>
-              <a:rPr lang="en-US" sz="1200" b="0" i="0" kern="1200" dirty="0">
-                <a:solidFill>
-                  <a:schemeClr val="tx1"/>
-                </a:solidFill>
-                <a:effectLst/>
-                <a:latin typeface="+mn-lt"/>
-                <a:ea typeface="+mn-ea"/>
-                <a:cs typeface="+mn-cs"/>
-              </a:rPr>
-              <a:t>Libraries may add middleware with one or more </a:t>
-            </a:r>
-            <a:r>
-              <a:rPr lang="en-US" sz="1200" b="0" i="0" kern="1200" dirty="0" err="1">
-                <a:solidFill>
-                  <a:schemeClr val="tx1"/>
-                </a:solidFill>
-                <a:effectLst/>
-                <a:latin typeface="+mn-lt"/>
-                <a:ea typeface="+mn-ea"/>
-                <a:cs typeface="+mn-cs"/>
-              </a:rPr>
-              <a:t>IStartupFilter</a:t>
-            </a:r>
-            <a:r>
-              <a:rPr lang="en-US" sz="1200" b="0" i="0" kern="1200" dirty="0">
-                <a:solidFill>
-                  <a:schemeClr val="tx1"/>
-                </a:solidFill>
-                <a:effectLst/>
-                <a:latin typeface="+mn-lt"/>
-                <a:ea typeface="+mn-ea"/>
-                <a:cs typeface="+mn-cs"/>
-              </a:rPr>
-              <a:t> implementations that run before or after other app middleware registered with </a:t>
-            </a:r>
-            <a:r>
-              <a:rPr lang="en-US" sz="1200" b="0" i="0" kern="1200" dirty="0" err="1">
-                <a:solidFill>
-                  <a:schemeClr val="tx1"/>
-                </a:solidFill>
-                <a:effectLst/>
-                <a:latin typeface="+mn-lt"/>
-                <a:ea typeface="+mn-ea"/>
-                <a:cs typeface="+mn-cs"/>
-              </a:rPr>
-              <a:t>IStartupFilter</a:t>
-            </a:r>
-            <a:r>
-              <a:rPr lang="en-US" sz="1200" b="0" i="0" kern="1200" dirty="0">
-                <a:solidFill>
-                  <a:schemeClr val="tx1"/>
-                </a:solidFill>
-                <a:effectLst/>
-                <a:latin typeface="+mn-lt"/>
-                <a:ea typeface="+mn-ea"/>
-                <a:cs typeface="+mn-cs"/>
-              </a:rPr>
-              <a:t>. To invoke an </a:t>
-            </a:r>
-            <a:r>
-              <a:rPr lang="en-US" sz="1200" b="0" i="0" kern="1200" dirty="0" err="1">
-                <a:solidFill>
-                  <a:schemeClr val="tx1"/>
-                </a:solidFill>
-                <a:effectLst/>
-                <a:latin typeface="+mn-lt"/>
-                <a:ea typeface="+mn-ea"/>
-                <a:cs typeface="+mn-cs"/>
-              </a:rPr>
-              <a:t>IStartupFilter</a:t>
-            </a:r>
-            <a:r>
-              <a:rPr lang="en-US" sz="1200" b="0" i="0" kern="1200" dirty="0">
-                <a:solidFill>
-                  <a:schemeClr val="tx1"/>
-                </a:solidFill>
-                <a:effectLst/>
-                <a:latin typeface="+mn-lt"/>
-                <a:ea typeface="+mn-ea"/>
-                <a:cs typeface="+mn-cs"/>
-              </a:rPr>
-              <a:t> middleware before a middleware added by a library's </a:t>
-            </a:r>
-            <a:r>
-              <a:rPr lang="en-US" sz="1200" b="0" i="0" kern="1200" dirty="0" err="1">
-                <a:solidFill>
-                  <a:schemeClr val="tx1"/>
-                </a:solidFill>
-                <a:effectLst/>
-                <a:latin typeface="+mn-lt"/>
-                <a:ea typeface="+mn-ea"/>
-                <a:cs typeface="+mn-cs"/>
-              </a:rPr>
-              <a:t>IStartupFilter</a:t>
-            </a:r>
-            <a:r>
-              <a:rPr lang="en-US" sz="1200" b="0" i="0" kern="1200" dirty="0">
-                <a:solidFill>
-                  <a:schemeClr val="tx1"/>
-                </a:solidFill>
-                <a:effectLst/>
-                <a:latin typeface="+mn-lt"/>
-                <a:ea typeface="+mn-ea"/>
-                <a:cs typeface="+mn-cs"/>
-              </a:rPr>
-              <a:t>:</a:t>
-            </a:r>
-          </a:p>
-          <a:p>
-            <a:r>
-              <a:rPr lang="en-US" sz="1200" b="0" i="0" kern="1200" dirty="0">
-                <a:solidFill>
-                  <a:schemeClr val="tx1"/>
-                </a:solidFill>
-                <a:effectLst/>
-                <a:latin typeface="+mn-lt"/>
-                <a:ea typeface="+mn-ea"/>
-                <a:cs typeface="+mn-cs"/>
-              </a:rPr>
-              <a:t>Position the service registration before the library is added to the service container.</a:t>
-            </a:r>
-          </a:p>
-          <a:p>
-            <a:r>
-              <a:rPr lang="en-US" sz="1200" b="0" i="0" kern="1200" dirty="0">
-                <a:solidFill>
-                  <a:schemeClr val="tx1"/>
-                </a:solidFill>
-                <a:effectLst/>
-                <a:latin typeface="+mn-lt"/>
-                <a:ea typeface="+mn-ea"/>
-                <a:cs typeface="+mn-cs"/>
-              </a:rPr>
-              <a:t>To invoke afterward, position the service registration after the library is added.</a:t>
-            </a:r>
-          </a:p>
-          <a:p>
-            <a:endParaRPr lang="ru-RU" sz="1200" b="0" i="0" kern="1200" dirty="0">
-              <a:solidFill>
-                <a:schemeClr val="tx1"/>
-              </a:solidFill>
-              <a:effectLst/>
-              <a:latin typeface="+mn-lt"/>
-              <a:ea typeface="+mn-ea"/>
-              <a:cs typeface="+mn-cs"/>
-            </a:endParaRPr>
+            <a:endParaRPr lang="en-US" dirty="0"/>
           </a:p>
         </p:txBody>
       </p:sp>
@@ -5107,90 +5182,6 @@
             <a:fld id="{BA1D5B97-ACF5-4677-A104-92B2393AA446}" type="slidenum">
               <a:rPr lang="en-US" smtClean="0"/>
               <a:t>51</a:t>
-            </a:fld>
-            <a:endParaRPr lang="en-US"/>
-          </a:p>
-        </p:txBody>
-      </p:sp>
-    </p:spTree>
-    <p:extLst>
-      <p:ext uri="{BB962C8B-B14F-4D97-AF65-F5344CB8AC3E}">
-        <p14:creationId xmlns:p14="http://schemas.microsoft.com/office/powerpoint/2010/main" val="2038473483"/>
-      </p:ext>
-    </p:extLst>
-  </p:cSld>
-  <p:clrMapOvr>
-    <a:masterClrMapping/>
-  </p:clrMapOvr>
-</p:notes>
-</file>
-
-<file path=ppt/notesSlides/notesSlide49.xml><?xml version="1.0" encoding="utf-8"?>
-<p:notes xmlns:a="http://schemas.openxmlformats.org/drawingml/2006/main" xmlns:r="http://schemas.openxmlformats.org/officeDocument/2006/relationships" xmlns:p="http://schemas.openxmlformats.org/presentationml/2006/main">
-  <p:cSld>
-    <p:spTree>
-      <p:nvGrpSpPr>
-        <p:cNvPr id="1" name=""/>
-        <p:cNvGrpSpPr/>
-        <p:nvPr/>
-      </p:nvGrpSpPr>
-      <p:grpSpPr>
-        <a:xfrm>
-          <a:off x="0" y="0"/>
-          <a:ext cx="0" cy="0"/>
-          <a:chOff x="0" y="0"/>
-          <a:chExt cx="0" cy="0"/>
-        </a:xfrm>
-      </p:grpSpPr>
-      <p:sp>
-        <p:nvSpPr>
-          <p:cNvPr id="2" name="Slide Image Placeholder 1"/>
-          <p:cNvSpPr>
-            <a:spLocks noGrp="1" noRot="1" noChangeAspect="1"/>
-          </p:cNvSpPr>
-          <p:nvPr>
-            <p:ph type="sldImg"/>
-          </p:nvPr>
-        </p:nvSpPr>
-        <p:spPr/>
-      </p:sp>
-      <p:sp>
-        <p:nvSpPr>
-          <p:cNvPr id="3" name="Notes Placeholder 2"/>
-          <p:cNvSpPr>
-            <a:spLocks noGrp="1"/>
-          </p:cNvSpPr>
-          <p:nvPr>
-            <p:ph type="body" idx="1"/>
-          </p:nvPr>
-        </p:nvSpPr>
-        <p:spPr/>
-        <p:txBody>
-          <a:bodyPr/>
-          <a:lstStyle/>
-          <a:p>
-            <a:endParaRPr lang="en-US" dirty="0"/>
-          </a:p>
-        </p:txBody>
-      </p:sp>
-      <p:sp>
-        <p:nvSpPr>
-          <p:cNvPr id="4" name="Slide Number Placeholder 3"/>
-          <p:cNvSpPr>
-            <a:spLocks noGrp="1"/>
-          </p:cNvSpPr>
-          <p:nvPr>
-            <p:ph type="sldNum" sz="quarter" idx="10"/>
-          </p:nvPr>
-        </p:nvSpPr>
-        <p:spPr/>
-        <p:txBody>
-          <a:bodyPr/>
-          <a:lstStyle/>
-          <a:p>
-            <a:fld id="{BA1D5B97-ACF5-4677-A104-92B2393AA446}" type="slidenum">
-              <a:rPr lang="en-US" smtClean="0"/>
-              <a:t>52</a:t>
             </a:fld>
             <a:endParaRPr lang="en-US"/>
           </a:p>
@@ -16432,7 +16423,7 @@
         <p:spPr>
           <a:xfrm>
             <a:off x="550985" y="1642086"/>
-            <a:ext cx="11734799" cy="4401205"/>
+            <a:ext cx="11734799" cy="4832092"/>
           </a:xfrm>
           <a:prstGeom prst="rect">
             <a:avLst/>
@@ -16460,6 +16451,27 @@
             <a:endParaRPr lang="ru-RU" sz="2800" dirty="0"/>
           </a:p>
           <a:p>
+            <a:endParaRPr lang="ru-RU" sz="2800" dirty="0"/>
+          </a:p>
+          <a:p>
+            <a:pPr marL="457200" indent="-457200">
+              <a:buFont typeface="Arial" panose="020B0604020202020204" pitchFamily="34" charset="0"/>
+              <a:buChar char="•"/>
+            </a:pPr>
+            <a:r>
+              <a:rPr lang="en-US" sz="2800" dirty="0"/>
+              <a:t>Hosting creates an </a:t>
+            </a:r>
+            <a:r>
+              <a:rPr lang="en-US" sz="2800" dirty="0" err="1"/>
+              <a:t>IApplicationBuilder</a:t>
+            </a:r>
+            <a:r>
+              <a:rPr lang="en-US" sz="2800" dirty="0"/>
+              <a:t> and passes it directly to Configure.</a:t>
+            </a:r>
+          </a:p>
+          <a:p>
             <a:pPr marL="457200" indent="-457200">
               <a:buFont typeface="Arial" panose="020B0604020202020204" pitchFamily="34" charset="0"/>
               <a:buChar char="•"/>
@@ -16471,6 +16483,10 @@
               <a:buFont typeface="Arial" panose="020B0604020202020204" pitchFamily="34" charset="0"/>
               <a:buChar char="•"/>
             </a:pPr>
+            <a:r>
+              <a:rPr lang="en-US" sz="2800" dirty="0"/>
+              <a:t>Each Use extension method adds one or more middleware components to the request pipeline</a:t>
+            </a:r>
             <a:endParaRPr lang="ru-RU" sz="2800" dirty="0"/>
           </a:p>
           <a:p>
@@ -16478,17 +16494,16 @@
               <a:buFont typeface="Arial" panose="020B0604020202020204" pitchFamily="34" charset="0"/>
               <a:buChar char="•"/>
             </a:pPr>
+            <a:endParaRPr lang="ru-RU" sz="2800" dirty="0"/>
+          </a:p>
+          <a:p>
+            <a:pPr marL="457200" indent="-457200">
+              <a:buFont typeface="Arial" panose="020B0604020202020204" pitchFamily="34" charset="0"/>
+              <a:buChar char="•"/>
+            </a:pPr>
             <a:r>
               <a:rPr lang="en-US" sz="2800" dirty="0"/>
-              <a:t>Hosting creates an </a:t>
-            </a:r>
-            <a:r>
-              <a:rPr lang="en-US" sz="2800" dirty="0" err="1"/>
-              <a:t>IApplicationBuilder</a:t>
-            </a:r>
-            <a:r>
-              <a:rPr lang="en-US" sz="2800" dirty="0"/>
-              <a:t> and passes it directly to Configure.</a:t>
+              <a:t>Middleware can invoke next component or short-circuit the chain</a:t>
             </a:r>
           </a:p>
           <a:p>
@@ -16497,23 +16512,6 @@
               <a:buChar char="•"/>
             </a:pPr>
             <a:endParaRPr lang="en-US" sz="2800" dirty="0"/>
-          </a:p>
-          <a:p>
-            <a:pPr marL="457200" indent="-457200">
-              <a:buFont typeface="Arial" panose="020B0604020202020204" pitchFamily="34" charset="0"/>
-              <a:buChar char="•"/>
-            </a:pPr>
-            <a:endParaRPr lang="en-US" sz="2800" dirty="0"/>
-          </a:p>
-          <a:p>
-            <a:pPr marL="457200" indent="-457200">
-              <a:buFont typeface="Arial" panose="020B0604020202020204" pitchFamily="34" charset="0"/>
-              <a:buChar char="•"/>
-            </a:pPr>
-            <a:r>
-              <a:rPr lang="en-US" sz="2800" dirty="0"/>
-              <a:t>Each Use extension method adds one or more middleware components to the request pipeline</a:t>
-            </a:r>
           </a:p>
           <a:p>
             <a:pPr marL="457200" indent="-457200">
@@ -16538,206 +16536,6 @@
 </file>
 
 <file path=ppt/slides/slide46.xml><?xml version="1.0" encoding="utf-8"?>
-<p:sld xmlns:a="http://schemas.openxmlformats.org/drawingml/2006/main" xmlns:r="http://schemas.openxmlformats.org/officeDocument/2006/relationships" xmlns:p="http://schemas.openxmlformats.org/presentationml/2006/main">
-  <p:cSld>
-    <p:bg>
-      <p:bgPr>
-        <a:gradFill>
-          <a:gsLst>
-            <a:gs pos="0">
-              <a:schemeClr val="accent1">
-                <a:lumMod val="5000"/>
-                <a:lumOff val="95000"/>
-              </a:schemeClr>
-            </a:gs>
-            <a:gs pos="42000">
-              <a:schemeClr val="accent1">
-                <a:lumMod val="45000"/>
-                <a:lumOff val="55000"/>
-              </a:schemeClr>
-            </a:gs>
-            <a:gs pos="83000">
-              <a:schemeClr val="accent1">
-                <a:lumMod val="45000"/>
-                <a:lumOff val="55000"/>
-              </a:schemeClr>
-            </a:gs>
-            <a:gs pos="100000">
-              <a:schemeClr val="accent1">
-                <a:lumMod val="30000"/>
-                <a:lumOff val="70000"/>
-              </a:schemeClr>
-            </a:gs>
-          </a:gsLst>
-          <a:lin ang="5400000" scaled="1"/>
-        </a:gradFill>
-        <a:effectLst/>
-      </p:bgPr>
-    </p:bg>
-    <p:spTree>
-      <p:nvGrpSpPr>
-        <p:cNvPr id="1" name=""/>
-        <p:cNvGrpSpPr/>
-        <p:nvPr/>
-      </p:nvGrpSpPr>
-      <p:grpSpPr>
-        <a:xfrm>
-          <a:off x="0" y="0"/>
-          <a:ext cx="0" cy="0"/>
-          <a:chOff x="0" y="0"/>
-          <a:chExt cx="0" cy="0"/>
-        </a:xfrm>
-      </p:grpSpPr>
-      <p:sp>
-        <p:nvSpPr>
-          <p:cNvPr id="2" name="Title 1"/>
-          <p:cNvSpPr>
-            <a:spLocks noGrp="1"/>
-          </p:cNvSpPr>
-          <p:nvPr>
-            <p:ph type="title"/>
-          </p:nvPr>
-        </p:nvSpPr>
-        <p:spPr>
-          <a:xfrm>
-            <a:off x="134816" y="0"/>
-            <a:ext cx="10515600" cy="1325563"/>
-          </a:xfrm>
-        </p:spPr>
-        <p:txBody>
-          <a:bodyPr/>
-          <a:lstStyle/>
-          <a:p>
-            <a:r>
-              <a:rPr lang="en-US" dirty="0"/>
-              <a:t>Configure</a:t>
-            </a:r>
-          </a:p>
-        </p:txBody>
-      </p:sp>
-      <p:sp>
-        <p:nvSpPr>
-          <p:cNvPr id="3" name="TextBox 2">
-            <a:extLst>
-              <a:ext uri="{FF2B5EF4-FFF2-40B4-BE49-F238E27FC236}">
-                <a16:creationId xmlns:a16="http://schemas.microsoft.com/office/drawing/2014/main" id="{ADDF9C7B-D1A4-43C4-8257-A0442BD6194E}"/>
-              </a:ext>
-            </a:extLst>
-          </p:cNvPr>
-          <p:cNvSpPr txBox="1"/>
-          <p:nvPr/>
-        </p:nvSpPr>
-        <p:spPr>
-          <a:xfrm>
-            <a:off x="550985" y="1642086"/>
-            <a:ext cx="11734799" cy="4401205"/>
-          </a:xfrm>
-          <a:prstGeom prst="rect">
-            <a:avLst/>
-          </a:prstGeom>
-          <a:noFill/>
-        </p:spPr>
-        <p:txBody>
-          <a:bodyPr wrap="square" rtlCol="0">
-            <a:spAutoFit/>
-          </a:bodyPr>
-          <a:lstStyle/>
-          <a:p>
-            <a:pPr marL="457200" indent="-457200">
-              <a:buFont typeface="Arial" panose="020B0604020202020204" pitchFamily="34" charset="0"/>
-              <a:buChar char="•"/>
-            </a:pPr>
-            <a:r>
-              <a:rPr lang="en-US" sz="2800" dirty="0" err="1"/>
-              <a:t>IApplicationBuilder</a:t>
-            </a:r>
-            <a:r>
-              <a:rPr lang="en-US" sz="2800" dirty="0"/>
-              <a:t> is available to the Configure method, but it isn't registered in the service container. </a:t>
-            </a:r>
-          </a:p>
-          <a:p>
-            <a:pPr marL="457200" indent="-457200">
-              <a:buFont typeface="Arial" panose="020B0604020202020204" pitchFamily="34" charset="0"/>
-              <a:buChar char="•"/>
-            </a:pPr>
-            <a:endParaRPr lang="ru-RU" sz="2800" dirty="0"/>
-          </a:p>
-          <a:p>
-            <a:pPr marL="457200" indent="-457200">
-              <a:buFont typeface="Arial" panose="020B0604020202020204" pitchFamily="34" charset="0"/>
-              <a:buChar char="•"/>
-            </a:pPr>
-            <a:r>
-              <a:rPr lang="en-US" sz="2800" dirty="0"/>
-              <a:t>Hosting creates an </a:t>
-            </a:r>
-            <a:r>
-              <a:rPr lang="en-US" sz="2800" dirty="0" err="1"/>
-              <a:t>IApplicationBuilder</a:t>
-            </a:r>
-            <a:r>
-              <a:rPr lang="en-US" sz="2800" dirty="0"/>
-              <a:t> and passes it directly to Configure.</a:t>
-            </a:r>
-          </a:p>
-          <a:p>
-            <a:pPr marL="457200" indent="-457200">
-              <a:buFont typeface="Arial" panose="020B0604020202020204" pitchFamily="34" charset="0"/>
-              <a:buChar char="•"/>
-            </a:pPr>
-            <a:endParaRPr lang="en-US" sz="2800" dirty="0"/>
-          </a:p>
-          <a:p>
-            <a:pPr marL="457200" indent="-457200">
-              <a:buFont typeface="Arial" panose="020B0604020202020204" pitchFamily="34" charset="0"/>
-              <a:buChar char="•"/>
-            </a:pPr>
-            <a:endParaRPr lang="en-US" sz="2800" dirty="0"/>
-          </a:p>
-          <a:p>
-            <a:pPr marL="457200" indent="-457200">
-              <a:buFont typeface="Arial" panose="020B0604020202020204" pitchFamily="34" charset="0"/>
-              <a:buChar char="•"/>
-            </a:pPr>
-            <a:r>
-              <a:rPr lang="en-US" sz="2800" dirty="0"/>
-              <a:t>Each Use extension method adds one or more middleware components to the request pipeline</a:t>
-            </a:r>
-          </a:p>
-          <a:p>
-            <a:pPr marL="457200" indent="-457200">
-              <a:buFont typeface="Arial" panose="020B0604020202020204" pitchFamily="34" charset="0"/>
-              <a:buChar char="•"/>
-            </a:pPr>
-            <a:endParaRPr lang="en-US" sz="2800" dirty="0"/>
-          </a:p>
-          <a:p>
-            <a:pPr marL="457200" indent="-457200">
-              <a:buFont typeface="Arial" panose="020B0604020202020204" pitchFamily="34" charset="0"/>
-              <a:buChar char="•"/>
-            </a:pPr>
-            <a:r>
-              <a:rPr lang="en-US" sz="2800" dirty="0"/>
-              <a:t>Middleware can invoke next component or short-circuit the chain</a:t>
-            </a:r>
-          </a:p>
-        </p:txBody>
-      </p:sp>
-    </p:spTree>
-    <p:extLst>
-      <p:ext uri="{BB962C8B-B14F-4D97-AF65-F5344CB8AC3E}">
-        <p14:creationId xmlns:p14="http://schemas.microsoft.com/office/powerpoint/2010/main" val="554625157"/>
-      </p:ext>
-    </p:extLst>
-  </p:cSld>
-  <p:clrMapOvr>
-    <a:masterClrMapping/>
-  </p:clrMapOvr>
-</p:sld>
-</file>
-
-<file path=ppt/slides/slide47.xml><?xml version="1.0" encoding="utf-8"?>
 <p:sld xmlns:a="http://schemas.openxmlformats.org/drawingml/2006/main" xmlns:r="http://schemas.openxmlformats.org/officeDocument/2006/relationships" xmlns:p="http://schemas.openxmlformats.org/presentationml/2006/main">
   <p:cSld>
     <p:bg>
@@ -16913,7 +16711,7 @@
 </p:sld>
 </file>
 
-<file path=ppt/slides/slide48.xml><?xml version="1.0" encoding="utf-8"?>
+<file path=ppt/slides/slide47.xml><?xml version="1.0" encoding="utf-8"?>
 <p:sld xmlns:a="http://schemas.openxmlformats.org/drawingml/2006/main" xmlns:r="http://schemas.openxmlformats.org/officeDocument/2006/relationships" xmlns:p="http://schemas.openxmlformats.org/presentationml/2006/main">
   <p:cSld>
     <p:bg>
@@ -17091,7 +16889,7 @@
 </p:sld>
 </file>
 
-<file path=ppt/slides/slide49.xml><?xml version="1.0" encoding="utf-8"?>
+<file path=ppt/slides/slide48.xml><?xml version="1.0" encoding="utf-8"?>
 <p:sld xmlns:a="http://schemas.openxmlformats.org/drawingml/2006/main" xmlns:r="http://schemas.openxmlformats.org/officeDocument/2006/relationships" xmlns:p="http://schemas.openxmlformats.org/presentationml/2006/main">
   <p:cSld>
     <p:bg>
@@ -17203,6 +17001,176 @@
     <p:extLst>
       <p:ext uri="{BB962C8B-B14F-4D97-AF65-F5344CB8AC3E}">
         <p14:creationId xmlns:p14="http://schemas.microsoft.com/office/powerpoint/2010/main" val="2007635387"/>
+      </p:ext>
+    </p:extLst>
+  </p:cSld>
+  <p:clrMapOvr>
+    <a:masterClrMapping/>
+  </p:clrMapOvr>
+</p:sld>
+</file>
+
+<file path=ppt/slides/slide49.xml><?xml version="1.0" encoding="utf-8"?>
+<p:sld xmlns:a="http://schemas.openxmlformats.org/drawingml/2006/main" xmlns:r="http://schemas.openxmlformats.org/officeDocument/2006/relationships" xmlns:p="http://schemas.openxmlformats.org/presentationml/2006/main">
+  <p:cSld>
+    <p:bg>
+      <p:bgPr>
+        <a:gradFill>
+          <a:gsLst>
+            <a:gs pos="0">
+              <a:schemeClr val="accent1">
+                <a:lumMod val="5000"/>
+                <a:lumOff val="95000"/>
+              </a:schemeClr>
+            </a:gs>
+            <a:gs pos="42000">
+              <a:schemeClr val="accent1">
+                <a:lumMod val="45000"/>
+                <a:lumOff val="55000"/>
+              </a:schemeClr>
+            </a:gs>
+            <a:gs pos="83000">
+              <a:schemeClr val="accent1">
+                <a:lumMod val="45000"/>
+                <a:lumOff val="55000"/>
+              </a:schemeClr>
+            </a:gs>
+            <a:gs pos="100000">
+              <a:schemeClr val="accent1">
+                <a:lumMod val="30000"/>
+                <a:lumOff val="70000"/>
+              </a:schemeClr>
+            </a:gs>
+          </a:gsLst>
+          <a:lin ang="5400000" scaled="1"/>
+        </a:gradFill>
+        <a:effectLst/>
+      </p:bgPr>
+    </p:bg>
+    <p:spTree>
+      <p:nvGrpSpPr>
+        <p:cNvPr id="1" name=""/>
+        <p:cNvGrpSpPr/>
+        <p:nvPr/>
+      </p:nvGrpSpPr>
+      <p:grpSpPr>
+        <a:xfrm>
+          <a:off x="0" y="0"/>
+          <a:ext cx="0" cy="0"/>
+          <a:chOff x="0" y="0"/>
+          <a:chExt cx="0" cy="0"/>
+        </a:xfrm>
+      </p:grpSpPr>
+      <p:sp>
+        <p:nvSpPr>
+          <p:cNvPr id="2" name="Title 1"/>
+          <p:cNvSpPr>
+            <a:spLocks noGrp="1"/>
+          </p:cNvSpPr>
+          <p:nvPr>
+            <p:ph type="title"/>
+          </p:nvPr>
+        </p:nvSpPr>
+        <p:spPr>
+          <a:xfrm>
+            <a:off x="134816" y="0"/>
+            <a:ext cx="10515600" cy="1325563"/>
+          </a:xfrm>
+        </p:spPr>
+        <p:txBody>
+          <a:bodyPr/>
+          <a:lstStyle/>
+          <a:p>
+            <a:r>
+              <a:rPr lang="en-US" dirty="0"/>
+              <a:t>Startup filters</a:t>
+            </a:r>
+          </a:p>
+        </p:txBody>
+      </p:sp>
+      <p:sp>
+        <p:nvSpPr>
+          <p:cNvPr id="3" name="TextBox 2">
+            <a:extLst>
+              <a:ext uri="{FF2B5EF4-FFF2-40B4-BE49-F238E27FC236}">
+                <a16:creationId xmlns:a16="http://schemas.microsoft.com/office/drawing/2014/main" id="{9FB5CB53-2557-43CB-92D0-4CAF2D5C81B8}"/>
+              </a:ext>
+            </a:extLst>
+          </p:cNvPr>
+          <p:cNvSpPr txBox="1"/>
+          <p:nvPr/>
+        </p:nvSpPr>
+        <p:spPr>
+          <a:xfrm>
+            <a:off x="134815" y="1113693"/>
+            <a:ext cx="11787553" cy="1384995"/>
+          </a:xfrm>
+          <a:prstGeom prst="rect">
+            <a:avLst/>
+          </a:prstGeom>
+          <a:noFill/>
+        </p:spPr>
+        <p:txBody>
+          <a:bodyPr wrap="square" rtlCol="0">
+            <a:spAutoFit/>
+          </a:bodyPr>
+          <a:lstStyle/>
+          <a:p>
+            <a:pPr marL="342900" indent="-342900">
+              <a:buFont typeface="Arial" panose="020B0604020202020204" pitchFamily="34" charset="0"/>
+              <a:buChar char="•"/>
+            </a:pPr>
+            <a:r>
+              <a:rPr lang="en-US" sz="2800" dirty="0"/>
+              <a:t>Configure middleware at the beginning or end of Configure pipeline without explicit call to Use{Middleware}</a:t>
+            </a:r>
+          </a:p>
+          <a:p>
+            <a:pPr marL="342900" indent="-342900">
+              <a:buFont typeface="Arial" panose="020B0604020202020204" pitchFamily="34" charset="0"/>
+              <a:buChar char="•"/>
+            </a:pPr>
+            <a:r>
+              <a:rPr lang="en-US" sz="2800" dirty="0"/>
+              <a:t>Create pipeline of Configure methods</a:t>
+            </a:r>
+          </a:p>
+        </p:txBody>
+      </p:sp>
+      <p:pic>
+        <p:nvPicPr>
+          <p:cNvPr id="4" name="Picture 3">
+            <a:extLst>
+              <a:ext uri="{FF2B5EF4-FFF2-40B4-BE49-F238E27FC236}">
+                <a16:creationId xmlns:a16="http://schemas.microsoft.com/office/drawing/2014/main" id="{634E1B39-17F6-47AD-975D-14652F372225}"/>
+              </a:ext>
+            </a:extLst>
+          </p:cNvPr>
+          <p:cNvPicPr>
+            <a:picLocks noChangeAspect="1"/>
+          </p:cNvPicPr>
+          <p:nvPr/>
+        </p:nvPicPr>
+        <p:blipFill>
+          <a:blip r:embed="rId3"/>
+          <a:stretch>
+            <a:fillRect/>
+          </a:stretch>
+        </p:blipFill>
+        <p:spPr>
+          <a:xfrm>
+            <a:off x="505545" y="2957878"/>
+            <a:ext cx="11180910" cy="3313968"/>
+          </a:xfrm>
+          <a:prstGeom prst="rect">
+            <a:avLst/>
+          </a:prstGeom>
+        </p:spPr>
+      </p:pic>
+    </p:spTree>
+    <p:extLst>
+      <p:ext uri="{BB962C8B-B14F-4D97-AF65-F5344CB8AC3E}">
+        <p14:creationId xmlns:p14="http://schemas.microsoft.com/office/powerpoint/2010/main" val="3829159527"/>
       </p:ext>
     </p:extLst>
   </p:cSld>
@@ -17420,176 +17388,6 @@
         <p:spPr>
           <a:xfrm>
             <a:off x="134815" y="1113693"/>
-            <a:ext cx="11787553" cy="1384995"/>
-          </a:xfrm>
-          <a:prstGeom prst="rect">
-            <a:avLst/>
-          </a:prstGeom>
-          <a:noFill/>
-        </p:spPr>
-        <p:txBody>
-          <a:bodyPr wrap="square" rtlCol="0">
-            <a:spAutoFit/>
-          </a:bodyPr>
-          <a:lstStyle/>
-          <a:p>
-            <a:pPr marL="342900" indent="-342900">
-              <a:buFont typeface="Arial" panose="020B0604020202020204" pitchFamily="34" charset="0"/>
-              <a:buChar char="•"/>
-            </a:pPr>
-            <a:r>
-              <a:rPr lang="en-US" sz="2800" dirty="0"/>
-              <a:t>Configure middleware at the beginning or end of Configure pipeline without explicit call to Use{Middleware}</a:t>
-            </a:r>
-          </a:p>
-          <a:p>
-            <a:pPr marL="342900" indent="-342900">
-              <a:buFont typeface="Arial" panose="020B0604020202020204" pitchFamily="34" charset="0"/>
-              <a:buChar char="•"/>
-            </a:pPr>
-            <a:r>
-              <a:rPr lang="en-US" sz="2800" dirty="0"/>
-              <a:t>Create pipeline of Configure methods</a:t>
-            </a:r>
-          </a:p>
-        </p:txBody>
-      </p:sp>
-      <p:pic>
-        <p:nvPicPr>
-          <p:cNvPr id="4" name="Picture 3">
-            <a:extLst>
-              <a:ext uri="{FF2B5EF4-FFF2-40B4-BE49-F238E27FC236}">
-                <a16:creationId xmlns:a16="http://schemas.microsoft.com/office/drawing/2014/main" id="{634E1B39-17F6-47AD-975D-14652F372225}"/>
-              </a:ext>
-            </a:extLst>
-          </p:cNvPr>
-          <p:cNvPicPr>
-            <a:picLocks noChangeAspect="1"/>
-          </p:cNvPicPr>
-          <p:nvPr/>
-        </p:nvPicPr>
-        <p:blipFill>
-          <a:blip r:embed="rId3"/>
-          <a:stretch>
-            <a:fillRect/>
-          </a:stretch>
-        </p:blipFill>
-        <p:spPr>
-          <a:xfrm>
-            <a:off x="505545" y="2957878"/>
-            <a:ext cx="11180910" cy="3313968"/>
-          </a:xfrm>
-          <a:prstGeom prst="rect">
-            <a:avLst/>
-          </a:prstGeom>
-        </p:spPr>
-      </p:pic>
-    </p:spTree>
-    <p:extLst>
-      <p:ext uri="{BB962C8B-B14F-4D97-AF65-F5344CB8AC3E}">
-        <p14:creationId xmlns:p14="http://schemas.microsoft.com/office/powerpoint/2010/main" val="3829159527"/>
-      </p:ext>
-    </p:extLst>
-  </p:cSld>
-  <p:clrMapOvr>
-    <a:masterClrMapping/>
-  </p:clrMapOvr>
-</p:sld>
-</file>
-
-<file path=ppt/slides/slide51.xml><?xml version="1.0" encoding="utf-8"?>
-<p:sld xmlns:a="http://schemas.openxmlformats.org/drawingml/2006/main" xmlns:r="http://schemas.openxmlformats.org/officeDocument/2006/relationships" xmlns:p="http://schemas.openxmlformats.org/presentationml/2006/main">
-  <p:cSld>
-    <p:bg>
-      <p:bgPr>
-        <a:gradFill>
-          <a:gsLst>
-            <a:gs pos="0">
-              <a:schemeClr val="accent1">
-                <a:lumMod val="5000"/>
-                <a:lumOff val="95000"/>
-              </a:schemeClr>
-            </a:gs>
-            <a:gs pos="42000">
-              <a:schemeClr val="accent1">
-                <a:lumMod val="45000"/>
-                <a:lumOff val="55000"/>
-              </a:schemeClr>
-            </a:gs>
-            <a:gs pos="83000">
-              <a:schemeClr val="accent1">
-                <a:lumMod val="45000"/>
-                <a:lumOff val="55000"/>
-              </a:schemeClr>
-            </a:gs>
-            <a:gs pos="100000">
-              <a:schemeClr val="accent1">
-                <a:lumMod val="30000"/>
-                <a:lumOff val="70000"/>
-              </a:schemeClr>
-            </a:gs>
-          </a:gsLst>
-          <a:lin ang="5400000" scaled="1"/>
-        </a:gradFill>
-        <a:effectLst/>
-      </p:bgPr>
-    </p:bg>
-    <p:spTree>
-      <p:nvGrpSpPr>
-        <p:cNvPr id="1" name=""/>
-        <p:cNvGrpSpPr/>
-        <p:nvPr/>
-      </p:nvGrpSpPr>
-      <p:grpSpPr>
-        <a:xfrm>
-          <a:off x="0" y="0"/>
-          <a:ext cx="0" cy="0"/>
-          <a:chOff x="0" y="0"/>
-          <a:chExt cx="0" cy="0"/>
-        </a:xfrm>
-      </p:grpSpPr>
-      <p:sp>
-        <p:nvSpPr>
-          <p:cNvPr id="2" name="Title 1"/>
-          <p:cNvSpPr>
-            <a:spLocks noGrp="1"/>
-          </p:cNvSpPr>
-          <p:nvPr>
-            <p:ph type="title"/>
-          </p:nvPr>
-        </p:nvSpPr>
-        <p:spPr>
-          <a:xfrm>
-            <a:off x="134816" y="0"/>
-            <a:ext cx="10515600" cy="1325563"/>
-          </a:xfrm>
-        </p:spPr>
-        <p:txBody>
-          <a:bodyPr/>
-          <a:lstStyle/>
-          <a:p>
-            <a:r>
-              <a:rPr lang="en-US" dirty="0"/>
-              <a:t>Startup filters</a:t>
-            </a:r>
-          </a:p>
-        </p:txBody>
-      </p:sp>
-      <p:sp>
-        <p:nvSpPr>
-          <p:cNvPr id="3" name="TextBox 2">
-            <a:extLst>
-              <a:ext uri="{FF2B5EF4-FFF2-40B4-BE49-F238E27FC236}">
-                <a16:creationId xmlns:a16="http://schemas.microsoft.com/office/drawing/2014/main" id="{9FB5CB53-2557-43CB-92D0-4CAF2D5C81B8}"/>
-              </a:ext>
-            </a:extLst>
-          </p:cNvPr>
-          <p:cNvSpPr txBox="1"/>
-          <p:nvPr/>
-        </p:nvSpPr>
-        <p:spPr>
-          <a:xfrm>
-            <a:off x="134815" y="1113693"/>
             <a:ext cx="11787553" cy="523220"/>
           </a:xfrm>
           <a:prstGeom prst="rect">
@@ -17665,7 +17463,7 @@
 </p:sld>
 </file>
 
-<file path=ppt/slides/slide52.xml><?xml version="1.0" encoding="utf-8"?>
+<file path=ppt/slides/slide51.xml><?xml version="1.0" encoding="utf-8"?>
 <p:sld xmlns:a="http://schemas.openxmlformats.org/drawingml/2006/main" xmlns:r="http://schemas.openxmlformats.org/officeDocument/2006/relationships" xmlns:p="http://schemas.openxmlformats.org/presentationml/2006/main">
   <p:cSld>
     <p:bg>

--- a/Host&Startup.pptx
+++ b/Host&Startup.pptx
@@ -247,7 +247,7 @@
           <a:p>
             <a:fld id="{1747B90C-FE49-44DE-93E7-FA9DDECBEA03}" type="datetimeFigureOut">
               <a:rPr lang="en-US" smtClean="0"/>
-              <a:t>12/3/2019</a:t>
+              <a:t>1/15/2020</a:t>
             </a:fld>
             <a:endParaRPr lang="en-US"/>
           </a:p>
@@ -6066,7 +6066,7 @@
           <a:p>
             <a:fld id="{622E22BE-79DE-4FFF-A515-BF1CA8DF801A}" type="datetimeFigureOut">
               <a:rPr lang="en-US" smtClean="0"/>
-              <a:t>12/3/2019</a:t>
+              <a:t>1/15/2020</a:t>
             </a:fld>
             <a:endParaRPr lang="en-US"/>
           </a:p>
@@ -6234,7 +6234,7 @@
           <a:p>
             <a:fld id="{622E22BE-79DE-4FFF-A515-BF1CA8DF801A}" type="datetimeFigureOut">
               <a:rPr lang="en-US" smtClean="0"/>
-              <a:t>12/3/2019</a:t>
+              <a:t>1/15/2020</a:t>
             </a:fld>
             <a:endParaRPr lang="en-US"/>
           </a:p>
@@ -6412,7 +6412,7 @@
           <a:p>
             <a:fld id="{622E22BE-79DE-4FFF-A515-BF1CA8DF801A}" type="datetimeFigureOut">
               <a:rPr lang="en-US" smtClean="0"/>
-              <a:t>12/3/2019</a:t>
+              <a:t>1/15/2020</a:t>
             </a:fld>
             <a:endParaRPr lang="en-US"/>
           </a:p>
@@ -6580,7 +6580,7 @@
           <a:p>
             <a:fld id="{622E22BE-79DE-4FFF-A515-BF1CA8DF801A}" type="datetimeFigureOut">
               <a:rPr lang="en-US" smtClean="0"/>
-              <a:t>12/3/2019</a:t>
+              <a:t>1/15/2020</a:t>
             </a:fld>
             <a:endParaRPr lang="en-US"/>
           </a:p>
@@ -6825,7 +6825,7 @@
           <a:p>
             <a:fld id="{622E22BE-79DE-4FFF-A515-BF1CA8DF801A}" type="datetimeFigureOut">
               <a:rPr lang="en-US" smtClean="0"/>
-              <a:t>12/3/2019</a:t>
+              <a:t>1/15/2020</a:t>
             </a:fld>
             <a:endParaRPr lang="en-US"/>
           </a:p>
@@ -7054,7 +7054,7 @@
           <a:p>
             <a:fld id="{622E22BE-79DE-4FFF-A515-BF1CA8DF801A}" type="datetimeFigureOut">
               <a:rPr lang="en-US" smtClean="0"/>
-              <a:t>12/3/2019</a:t>
+              <a:t>1/15/2020</a:t>
             </a:fld>
             <a:endParaRPr lang="en-US"/>
           </a:p>
@@ -7418,7 +7418,7 @@
           <a:p>
             <a:fld id="{622E22BE-79DE-4FFF-A515-BF1CA8DF801A}" type="datetimeFigureOut">
               <a:rPr lang="en-US" smtClean="0"/>
-              <a:t>12/3/2019</a:t>
+              <a:t>1/15/2020</a:t>
             </a:fld>
             <a:endParaRPr lang="en-US"/>
           </a:p>
@@ -7535,7 +7535,7 @@
           <a:p>
             <a:fld id="{622E22BE-79DE-4FFF-A515-BF1CA8DF801A}" type="datetimeFigureOut">
               <a:rPr lang="en-US" smtClean="0"/>
-              <a:t>12/3/2019</a:t>
+              <a:t>1/15/2020</a:t>
             </a:fld>
             <a:endParaRPr lang="en-US"/>
           </a:p>
@@ -7630,7 +7630,7 @@
           <a:p>
             <a:fld id="{622E22BE-79DE-4FFF-A515-BF1CA8DF801A}" type="datetimeFigureOut">
               <a:rPr lang="en-US" smtClean="0"/>
-              <a:t>12/3/2019</a:t>
+              <a:t>1/15/2020</a:t>
             </a:fld>
             <a:endParaRPr lang="en-US"/>
           </a:p>
@@ -7905,7 +7905,7 @@
           <a:p>
             <a:fld id="{622E22BE-79DE-4FFF-A515-BF1CA8DF801A}" type="datetimeFigureOut">
               <a:rPr lang="en-US" smtClean="0"/>
-              <a:t>12/3/2019</a:t>
+              <a:t>1/15/2020</a:t>
             </a:fld>
             <a:endParaRPr lang="en-US"/>
           </a:p>
@@ -8157,7 +8157,7 @@
           <a:p>
             <a:fld id="{622E22BE-79DE-4FFF-A515-BF1CA8DF801A}" type="datetimeFigureOut">
               <a:rPr lang="en-US" smtClean="0"/>
-              <a:t>12/3/2019</a:t>
+              <a:t>1/15/2020</a:t>
             </a:fld>
             <a:endParaRPr lang="en-US"/>
           </a:p>
@@ -8368,7 +8368,7 @@
           <a:p>
             <a:fld id="{622E22BE-79DE-4FFF-A515-BF1CA8DF801A}" type="datetimeFigureOut">
               <a:rPr lang="en-US" smtClean="0"/>
-              <a:t>12/3/2019</a:t>
+              <a:t>1/15/2020</a:t>
             </a:fld>
             <a:endParaRPr lang="en-US"/>
           </a:p>
@@ -17526,13 +17526,13 @@
         </p:nvSpPr>
         <p:spPr>
           <a:xfrm>
-            <a:off x="723130" y="784994"/>
-            <a:ext cx="10515600" cy="4689683"/>
+            <a:off x="115380" y="902225"/>
+            <a:ext cx="11961239" cy="4689683"/>
           </a:xfrm>
         </p:spPr>
         <p:txBody>
           <a:bodyPr>
-            <a:normAutofit/>
+            <a:normAutofit fontScale="90000"/>
           </a:bodyPr>
           <a:lstStyle/>
           <a:p>
@@ -17561,7 +17561,7 @@
               <a:rPr lang="en-US" dirty="0">
                 <a:hlinkClick r:id="rId3"/>
               </a:rPr>
-              <a:t>https://github.com/EPilyaev/ASPNetCoreMVC</a:t>
+              <a:t>https://github.com/EPilyaev/ASPNetCorePresentations</a:t>
             </a:r>
             <a:br>
               <a:rPr lang="en-US" dirty="0"/>
@@ -17578,12 +17578,8 @@
               <a:t>Host&amp;Startup</a:t>
             </a:r>
             <a:r>
-              <a:rPr lang="en-US"/>
-              <a:t> presentation</a:t>
-            </a:r>
-            <a:r>
               <a:rPr lang="en-US" dirty="0"/>
-              <a:t>)</a:t>
+              <a:t> presentation)</a:t>
             </a:r>
           </a:p>
         </p:txBody>
